--- a/docs/index.pptx
+++ b/docs/index.pptx
@@ -44,10 +44,6 @@
     <p:sldId id="292" r:id="rId38"/>
     <p:sldId id="293" r:id="rId39"/>
     <p:sldId id="294" r:id="rId40"/>
-    <p:sldId id="295" r:id="rId41"/>
-    <p:sldId id="296" r:id="rId42"/>
-    <p:sldId id="297" r:id="rId43"/>
-    <p:sldId id="298" r:id="rId44"/>
   </p:sldIdLst>
   <p:sldSz cx="9144000" cy="5143500" type="screen16x9"/>
   <p:notesSz cx="6858000" cy="9144000"/>
@@ -3218,193 +3214,6 @@
       </p:grpSpPr>
       <p:sp>
         <p:nvSpPr>
-          <p:cNvPr id="3" name="Content Placeholder 2"/>
-          <p:cNvSpPr>
-            <a:spLocks noGrp="1"/>
-          </p:cNvSpPr>
-          <p:nvPr>
-            <p:ph idx="1"/>
-          </p:nvPr>
-        </p:nvSpPr>
-        <p:spPr/>
-        <p:txBody>
-          <a:bodyPr/>
-          <a:lstStyle/>
-          <a:p>
-            <a:pPr lvl="0" indent="0" marL="0">
-              <a:buNone/>
-            </a:pPr>
-            <a:r>
-              <a:rPr/>
-              <a:t>Source: Peng, Roger D. 2011. “Reproducible Research in Computational Science.” Science 334 (6060): 1226–27</a:t>
-            </a:r>
-          </a:p>
-        </p:txBody>
-      </p:sp>
-    </p:spTree>
-  </p:cSld>
-</p:sld>
-</file>
-
-<file path=ppt/slides/slide11.xml><?xml version="1.0" encoding="utf-8"?>
-<p:sld xmlns:a="http://schemas.openxmlformats.org/drawingml/2006/main" xmlns:r="http://schemas.openxmlformats.org/officeDocument/2006/relationships" xmlns:p="http://schemas.openxmlformats.org/presentationml/2006/main">
-  <p:cSld>
-    <p:spTree>
-      <p:nvGrpSpPr>
-        <p:cNvPr id="1" name=""/>
-        <p:cNvGrpSpPr/>
-        <p:nvPr/>
-      </p:nvGrpSpPr>
-      <p:grpSpPr>
-        <a:xfrm>
-          <a:off x="0" y="0"/>
-          <a:ext cx="0" cy="0"/>
-          <a:chOff x="0" y="0"/>
-          <a:chExt cx="0" cy="0"/>
-        </a:xfrm>
-      </p:grpSpPr>
-      <p:sp>
-        <p:nvSpPr>
-          <p:cNvPr id="2" name="Title 1"/>
-          <p:cNvSpPr>
-            <a:spLocks noGrp="1"/>
-          </p:cNvSpPr>
-          <p:nvPr>
-            <p:ph type="title"/>
-          </p:nvPr>
-        </p:nvSpPr>
-        <p:spPr/>
-        <p:txBody>
-          <a:bodyPr/>
-          <a:lstStyle/>
-          <a:p>
-            <a:pPr lvl="0" indent="0" marL="0">
-              <a:buNone/>
-            </a:pPr>
-            <a:r>
-              <a:rPr/>
-              <a:t>Recording packages and R version used with renv</a:t>
-            </a:r>
-          </a:p>
-        </p:txBody>
-      </p:sp>
-      <p:sp>
-        <p:nvSpPr>
-          <p:cNvPr id="3" name="Content Placeholder 2"/>
-          <p:cNvSpPr>
-            <a:spLocks noGrp="1"/>
-          </p:cNvSpPr>
-          <p:nvPr>
-            <p:ph idx="1"/>
-          </p:nvPr>
-        </p:nvSpPr>
-        <p:spPr/>
-        <p:txBody>
-          <a:bodyPr/>
-          <a:lstStyle/>
-          <a:p>
-            <a:pPr lvl="0" indent="0" marL="0">
-              <a:buNone/>
-            </a:pPr>
-            <a:r>
-              <a:rPr/>
-              <a:t>Create a </a:t>
-            </a:r>
-            <a:r>
-              <a:rPr>
-                <a:latin typeface="Courier"/>
-              </a:rPr>
-              <a:t>renv.lock</a:t>
-            </a:r>
-            <a:r>
-              <a:rPr/>
-              <a:t> file in 2 steps!</a:t>
-            </a:r>
-          </a:p>
-          <a:p>
-            <a:pPr lvl="0"/>
-            <a:r>
-              <a:rPr/>
-              <a:t>Open an R session in the folder containing the scripts</a:t>
-            </a:r>
-          </a:p>
-          <a:p>
-            <a:pPr lvl="0"/>
-            <a:r>
-              <a:rPr/>
-              <a:t>Run </a:t>
-            </a:r>
-            <a:r>
-              <a:rPr>
-                <a:latin typeface="Courier"/>
-              </a:rPr>
-              <a:t>renv::init()</a:t>
-            </a:r>
-            <a:r>
-              <a:rPr/>
-              <a:t> and check the folder for </a:t>
-            </a:r>
-            <a:r>
-              <a:rPr>
-                <a:latin typeface="Courier"/>
-              </a:rPr>
-              <a:t>renv.lock</a:t>
-            </a:r>
-          </a:p>
-          <a:p>
-            <a:pPr lvl="0" indent="0" marL="0">
-              <a:buNone/>
-            </a:pPr>
-            <a:r>
-              <a:rPr/>
-              <a:t>. . .</a:t>
-            </a:r>
-          </a:p>
-          <a:p>
-            <a:pPr lvl="0" indent="0" marL="0">
-              <a:buNone/>
-            </a:pPr>
-            <a:r>
-              <a:rPr/>
-              <a:t>(</a:t>
-            </a:r>
-            <a:r>
-              <a:rPr>
-                <a:latin typeface="Courier"/>
-              </a:rPr>
-              <a:t>renv::init()</a:t>
-            </a:r>
-            <a:r>
-              <a:rPr/>
-              <a:t> will take some time to run the first time)</a:t>
-            </a:r>
-          </a:p>
-        </p:txBody>
-      </p:sp>
-    </p:spTree>
-  </p:cSld>
-</p:sld>
-</file>
-
-<file path=ppt/slides/slide12.xml><?xml version="1.0" encoding="utf-8"?>
-<p:sld xmlns:a="http://schemas.openxmlformats.org/drawingml/2006/main" xmlns:r="http://schemas.openxmlformats.org/officeDocument/2006/relationships" xmlns:p="http://schemas.openxmlformats.org/presentationml/2006/main">
-  <p:cSld>
-    <p:spTree>
-      <p:nvGrpSpPr>
-        <p:cNvPr id="1" name=""/>
-        <p:cNvGrpSpPr/>
-        <p:nvPr/>
-      </p:nvGrpSpPr>
-      <p:grpSpPr>
-        <a:xfrm>
-          <a:off x="0" y="0"/>
-          <a:ext cx="0" cy="0"/>
-          <a:chOff x="0" y="0"/>
-          <a:chExt cx="0" cy="0"/>
-        </a:xfrm>
-      </p:grpSpPr>
-      <p:sp>
-        <p:nvSpPr>
           <p:cNvPr id="2" name="Title 1"/>
           <p:cNvSpPr>
             <a:spLocks noGrp="1"/>
@@ -3507,6 +3316,281 @@
 </p:sld>
 </file>
 
+<file path=ppt/slides/slide11.xml><?xml version="1.0" encoding="utf-8"?>
+<p:sld xmlns:a="http://schemas.openxmlformats.org/drawingml/2006/main" xmlns:r="http://schemas.openxmlformats.org/officeDocument/2006/relationships" xmlns:p="http://schemas.openxmlformats.org/presentationml/2006/main">
+  <p:cSld>
+    <p:spTree>
+      <p:nvGrpSpPr>
+        <p:cNvPr id="1" name=""/>
+        <p:cNvGrpSpPr/>
+        <p:nvPr/>
+      </p:nvGrpSpPr>
+      <p:grpSpPr>
+        <a:xfrm>
+          <a:off x="0" y="0"/>
+          <a:ext cx="0" cy="0"/>
+          <a:chOff x="0" y="0"/>
+          <a:chExt cx="0" cy="0"/>
+        </a:xfrm>
+      </p:grpSpPr>
+      <p:sp>
+        <p:nvSpPr>
+          <p:cNvPr id="2" name="Title 1"/>
+          <p:cNvSpPr>
+            <a:spLocks noGrp="1"/>
+          </p:cNvSpPr>
+          <p:nvPr>
+            <p:ph type="title"/>
+          </p:nvPr>
+        </p:nvSpPr>
+        <p:spPr/>
+        <p:txBody>
+          <a:bodyPr/>
+          <a:lstStyle/>
+          <a:p>
+            <a:pPr lvl="0" indent="0" marL="0">
+              <a:buNone/>
+            </a:pPr>
+            <a:r>
+              <a:rPr/>
+              <a:t>Restoring a library using an </a:t>
+            </a:r>
+            <a:r>
+              <a:rPr>
+                <a:latin typeface="Courier"/>
+              </a:rPr>
+              <a:t>renv.lock</a:t>
+            </a:r>
+            <a:r>
+              <a:rPr/>
+              <a:t> file</a:t>
+            </a:r>
+          </a:p>
+        </p:txBody>
+      </p:sp>
+      <p:sp>
+        <p:nvSpPr>
+          <p:cNvPr id="3" name="Content Placeholder 2"/>
+          <p:cNvSpPr>
+            <a:spLocks noGrp="1"/>
+          </p:cNvSpPr>
+          <p:nvPr>
+            <p:ph idx="1"/>
+          </p:nvPr>
+        </p:nvSpPr>
+        <p:spPr/>
+        <p:txBody>
+          <a:bodyPr/>
+          <a:lstStyle/>
+          <a:p>
+            <a:pPr lvl="0"/>
+            <a:r>
+              <a:rPr>
+                <a:latin typeface="Courier"/>
+              </a:rPr>
+              <a:t>renv.lock</a:t>
+            </a:r>
+            <a:r>
+              <a:rPr/>
+              <a:t> file not just a record</a:t>
+            </a:r>
+          </a:p>
+          <a:p>
+            <a:pPr lvl="0"/>
+            <a:r>
+              <a:rPr/>
+              <a:t>Can be used to restore as well!</a:t>
+            </a:r>
+          </a:p>
+          <a:p>
+            <a:pPr lvl="0"/>
+            <a:r>
+              <a:rPr/>
+              <a:t>Run </a:t>
+            </a:r>
+            <a:r>
+              <a:rPr>
+                <a:latin typeface="Courier"/>
+              </a:rPr>
+              <a:t>renv::restore()</a:t>
+            </a:r>
+          </a:p>
+        </p:txBody>
+      </p:sp>
+    </p:spTree>
+  </p:cSld>
+</p:sld>
+</file>
+
+<file path=ppt/slides/slide12.xml><?xml version="1.0" encoding="utf-8"?>
+<p:sld xmlns:a="http://schemas.openxmlformats.org/drawingml/2006/main" xmlns:r="http://schemas.openxmlformats.org/officeDocument/2006/relationships" xmlns:p="http://schemas.openxmlformats.org/presentationml/2006/main">
+  <p:cSld>
+    <p:spTree>
+      <p:nvGrpSpPr>
+        <p:cNvPr id="1" name=""/>
+        <p:cNvGrpSpPr/>
+        <p:nvPr/>
+      </p:nvGrpSpPr>
+      <p:grpSpPr>
+        <a:xfrm>
+          <a:off x="0" y="0"/>
+          <a:ext cx="0" cy="0"/>
+          <a:chOff x="0" y="0"/>
+          <a:chExt cx="0" cy="0"/>
+        </a:xfrm>
+      </p:grpSpPr>
+      <p:sp>
+        <p:nvSpPr>
+          <p:cNvPr id="2" name="Title 1"/>
+          <p:cNvSpPr>
+            <a:spLocks noGrp="1"/>
+          </p:cNvSpPr>
+          <p:nvPr>
+            <p:ph type="title"/>
+          </p:nvPr>
+        </p:nvSpPr>
+        <p:spPr/>
+        <p:txBody>
+          <a:bodyPr/>
+          <a:lstStyle/>
+          <a:p>
+            <a:pPr lvl="0" indent="0" marL="0">
+              <a:buNone/>
+            </a:pPr>
+            <a:r>
+              <a:rPr>
+                <a:latin typeface="Courier"/>
+              </a:rPr>
+              <a:t>{renv}</a:t>
+            </a:r>
+            <a:r>
+              <a:rPr/>
+              <a:t> alone by itself is not enough</a:t>
+            </a:r>
+          </a:p>
+        </p:txBody>
+      </p:sp>
+      <p:sp>
+        <p:nvSpPr>
+          <p:cNvPr id="3" name="Content Placeholder 2"/>
+          <p:cNvSpPr>
+            <a:spLocks noGrp="1"/>
+          </p:cNvSpPr>
+          <p:nvPr>
+            <p:ph idx="1"/>
+          </p:nvPr>
+        </p:nvSpPr>
+        <p:spPr/>
+        <p:txBody>
+          <a:bodyPr/>
+          <a:lstStyle/>
+          <a:p>
+            <a:pPr lvl="0" indent="0" marL="0">
+              <a:buNone/>
+            </a:pPr>
+            <a:r>
+              <a:rPr/>
+              <a:t>Shortcomings:</a:t>
+            </a:r>
+          </a:p>
+          <a:p>
+            <a:pPr lvl="0" indent="0" marL="0">
+              <a:buNone/>
+            </a:pPr>
+            <a:r>
+              <a:rPr/>
+              <a:t>. . .</a:t>
+            </a:r>
+          </a:p>
+          <a:p>
+            <a:pPr lvl="0" indent="-342900" marL="342900">
+              <a:buAutoNum type="arabicPeriod"/>
+            </a:pPr>
+            <a:r>
+              <a:rPr/>
+              <a:t>Records, but does not restore the version of R</a:t>
+            </a:r>
+          </a:p>
+          <a:p>
+            <a:pPr lvl="0" indent="-342900" marL="342900">
+              <a:buAutoNum type="arabicPeriod"/>
+            </a:pPr>
+            <a:r>
+              <a:rPr/>
+              <a:t>Installation of old packages can fail (due to missing OS-dependencies)</a:t>
+            </a:r>
+          </a:p>
+          <a:p>
+            <a:pPr lvl="0" indent="0" marL="0">
+              <a:buNone/>
+            </a:pPr>
+            <a:r>
+              <a:rPr/>
+              <a:t>. . .</a:t>
+            </a:r>
+          </a:p>
+          <a:p>
+            <a:pPr lvl="0" indent="0" marL="0">
+              <a:buNone/>
+            </a:pPr>
+            <a:r>
+              <a:rPr/>
+              <a:t>but… :</a:t>
+            </a:r>
+          </a:p>
+          <a:p>
+            <a:pPr lvl="0" indent="0" marL="0">
+              <a:buNone/>
+            </a:pPr>
+            <a:r>
+              <a:rPr/>
+              <a:t>. . .</a:t>
+            </a:r>
+          </a:p>
+          <a:p>
+            <a:pPr lvl="0" indent="-342900" marL="342900">
+              <a:buAutoNum type="arabicPeriod"/>
+            </a:pPr>
+            <a:r>
+              <a:rPr/>
+              <a:t>Generating a </a:t>
+            </a:r>
+            <a:r>
+              <a:rPr>
+                <a:latin typeface="Courier"/>
+              </a:rPr>
+              <a:t>renv.lock</a:t>
+            </a:r>
+            <a:r>
+              <a:rPr/>
+              <a:t> file is “free”</a:t>
+            </a:r>
+          </a:p>
+          <a:p>
+            <a:pPr lvl="0" indent="-342900" marL="342900">
+              <a:buAutoNum type="arabicPeriod"/>
+            </a:pPr>
+            <a:r>
+              <a:rPr/>
+              <a:t>Provides a blueprint for dockerizing our pipeline</a:t>
+            </a:r>
+          </a:p>
+          <a:p>
+            <a:pPr lvl="0" indent="-342900" marL="342900">
+              <a:buAutoNum type="arabicPeriod"/>
+            </a:pPr>
+            <a:r>
+              <a:rPr/>
+              <a:t>Creates a project-specific library (no interferences)</a:t>
+            </a:r>
+          </a:p>
+        </p:txBody>
+      </p:sp>
+    </p:spTree>
+  </p:cSld>
+</p:sld>
+</file>
+
 <file path=ppt/slides/slide13.xml><?xml version="1.0" encoding="utf-8"?>
 <p:sld xmlns:a="http://schemas.openxmlformats.org/drawingml/2006/main" xmlns:r="http://schemas.openxmlformats.org/officeDocument/2006/relationships" xmlns:p="http://schemas.openxmlformats.org/presentationml/2006/main">
   <p:cSld>
@@ -3544,17 +3628,7 @@
             </a:pPr>
             <a:r>
               <a:rPr/>
-              <a:t>Restoring a library using an </a:t>
-            </a:r>
-            <a:r>
-              <a:rPr>
-                <a:latin typeface="Courier"/>
-              </a:rPr>
-              <a:t>renv.lock</a:t>
-            </a:r>
-            <a:r>
-              <a:rPr/>
-              <a:t> file</a:t>
+              <a:t>Going further with Docker: handling R and system-level dependencies</a:t>
             </a:r>
           </a:p>
         </p:txBody>
@@ -3576,34 +3650,65 @@
           <a:p>
             <a:pPr lvl="0"/>
             <a:r>
-              <a:rPr>
-                <a:latin typeface="Courier"/>
-              </a:rPr>
-              <a:t>renv.lock</a:t>
-            </a:r>
-            <a:r>
-              <a:rPr/>
-              <a:t> file not just a record</a:t>
-            </a:r>
-          </a:p>
-          <a:p>
-            <a:pPr lvl="0"/>
-            <a:r>
-              <a:rPr/>
-              <a:t>Can be used to restore as well!</a:t>
-            </a:r>
-          </a:p>
-          <a:p>
-            <a:pPr lvl="0"/>
-            <a:r>
-              <a:rPr/>
-              <a:t>Run </a:t>
-            </a:r>
-            <a:r>
-              <a:rPr>
-                <a:latin typeface="Courier"/>
-              </a:rPr>
-              <a:t>renv::restore()</a:t>
+              <a:rPr/>
+              <a:t>Docker is a containerisation tool</a:t>
+            </a:r>
+          </a:p>
+          <a:p>
+            <a:pPr lvl="0"/>
+            <a:r>
+              <a:rPr/>
+              <a:t>Docker allows you to build </a:t>
+            </a:r>
+            <a:r>
+              <a:rPr i="1"/>
+              <a:t>images</a:t>
+            </a:r>
+            <a:r>
+              <a:rPr/>
+              <a:t> and run </a:t>
+            </a:r>
+            <a:r>
+              <a:rPr i="1"/>
+              <a:t>containers</a:t>
+            </a:r>
+            <a:r>
+              <a:rPr/>
+              <a:t> (a container is an instance of an image)</a:t>
+            </a:r>
+          </a:p>
+          <a:p>
+            <a:pPr lvl="0"/>
+            <a:r>
+              <a:rPr/>
+              <a:t>Docker images:</a:t>
+            </a:r>
+          </a:p>
+          <a:p>
+            <a:pPr lvl="1" indent="-342900" marL="685800">
+              <a:buAutoNum type="arabicPeriod"/>
+            </a:pPr>
+            <a:r>
+              <a:rPr/>
+              <a:t>contain all the software and code needed for your project</a:t>
+            </a:r>
+          </a:p>
+          <a:p>
+            <a:pPr lvl="1" indent="-342900" marL="685800">
+              <a:buAutoNum type="arabicPeriod"/>
+            </a:pPr>
+            <a:r>
+              <a:rPr/>
+              <a:t>are immutable (cannot be changed at run-time)</a:t>
+            </a:r>
+          </a:p>
+          <a:p>
+            <a:pPr lvl="1" indent="-342900" marL="685800">
+              <a:buAutoNum type="arabicPeriod"/>
+            </a:pPr>
+            <a:r>
+              <a:rPr/>
+              <a:t>can be shared on- and offline</a:t>
             </a:r>
           </a:p>
         </p:txBody>
@@ -3614,441 +3719,6 @@
 </file>
 
 <file path=ppt/slides/slide14.xml><?xml version="1.0" encoding="utf-8"?>
-<p:sld xmlns:a="http://schemas.openxmlformats.org/drawingml/2006/main" xmlns:r="http://schemas.openxmlformats.org/officeDocument/2006/relationships" xmlns:p="http://schemas.openxmlformats.org/presentationml/2006/main">
-  <p:cSld>
-    <p:spTree>
-      <p:nvGrpSpPr>
-        <p:cNvPr id="1" name=""/>
-        <p:cNvGrpSpPr/>
-        <p:nvPr/>
-      </p:nvGrpSpPr>
-      <p:grpSpPr>
-        <a:xfrm>
-          <a:off x="0" y="0"/>
-          <a:ext cx="0" cy="0"/>
-          <a:chOff x="0" y="0"/>
-          <a:chExt cx="0" cy="0"/>
-        </a:xfrm>
-      </p:grpSpPr>
-      <p:sp>
-        <p:nvSpPr>
-          <p:cNvPr id="2" name="Title 1"/>
-          <p:cNvSpPr>
-            <a:spLocks noGrp="1"/>
-          </p:cNvSpPr>
-          <p:nvPr>
-            <p:ph type="title"/>
-          </p:nvPr>
-        </p:nvSpPr>
-        <p:spPr/>
-        <p:txBody>
-          <a:bodyPr/>
-          <a:lstStyle/>
-          <a:p>
-            <a:pPr lvl="0" indent="0" marL="0">
-              <a:buNone/>
-            </a:pPr>
-            <a:r>
-              <a:rPr>
-                <a:latin typeface="Courier"/>
-              </a:rPr>
-              <a:t>{renv}</a:t>
-            </a:r>
-            <a:r>
-              <a:rPr/>
-              <a:t> conclusion</a:t>
-            </a:r>
-          </a:p>
-        </p:txBody>
-      </p:sp>
-      <p:sp>
-        <p:nvSpPr>
-          <p:cNvPr id="3" name="Content Placeholder 2"/>
-          <p:cNvSpPr>
-            <a:spLocks noGrp="1"/>
-          </p:cNvSpPr>
-          <p:nvPr>
-            <p:ph idx="1"/>
-          </p:nvPr>
-        </p:nvSpPr>
-        <p:spPr/>
-        <p:txBody>
-          <a:bodyPr/>
-          <a:lstStyle/>
-          <a:p>
-            <a:pPr lvl="0" indent="0" marL="0">
-              <a:buNone/>
-            </a:pPr>
-            <a:r>
-              <a:rPr/>
-              <a:t>Shortcomings:</a:t>
-            </a:r>
-          </a:p>
-          <a:p>
-            <a:pPr lvl="0" indent="0" marL="0">
-              <a:buNone/>
-            </a:pPr>
-            <a:r>
-              <a:rPr/>
-              <a:t>. . .</a:t>
-            </a:r>
-          </a:p>
-          <a:p>
-            <a:pPr lvl="0" indent="-342900" marL="342900">
-              <a:buAutoNum type="arabicPeriod"/>
-            </a:pPr>
-            <a:r>
-              <a:rPr/>
-              <a:t>Records, but does not restore the version of R</a:t>
-            </a:r>
-          </a:p>
-          <a:p>
-            <a:pPr lvl="0" indent="-342900" marL="342900">
-              <a:buAutoNum type="arabicPeriod"/>
-            </a:pPr>
-            <a:r>
-              <a:rPr/>
-              <a:t>Installation of old packages can fail (due to missing OS-dependencies)</a:t>
-            </a:r>
-          </a:p>
-          <a:p>
-            <a:pPr lvl="0" indent="0" marL="0">
-              <a:buNone/>
-            </a:pPr>
-            <a:r>
-              <a:rPr/>
-              <a:t>. . .</a:t>
-            </a:r>
-          </a:p>
-          <a:p>
-            <a:pPr lvl="0" indent="0" marL="0">
-              <a:buNone/>
-            </a:pPr>
-            <a:r>
-              <a:rPr/>
-              <a:t>but… :</a:t>
-            </a:r>
-          </a:p>
-          <a:p>
-            <a:pPr lvl="0" indent="0" marL="0">
-              <a:buNone/>
-            </a:pPr>
-            <a:r>
-              <a:rPr/>
-              <a:t>. . .</a:t>
-            </a:r>
-          </a:p>
-          <a:p>
-            <a:pPr lvl="0" indent="-342900" marL="342900">
-              <a:buAutoNum type="arabicPeriod"/>
-            </a:pPr>
-            <a:r>
-              <a:rPr/>
-              <a:t>Generating a </a:t>
-            </a:r>
-            <a:r>
-              <a:rPr>
-                <a:latin typeface="Courier"/>
-              </a:rPr>
-              <a:t>renv.lock</a:t>
-            </a:r>
-            <a:r>
-              <a:rPr/>
-              <a:t> file is “free”</a:t>
-            </a:r>
-          </a:p>
-          <a:p>
-            <a:pPr lvl="0" indent="-342900" marL="342900">
-              <a:buAutoNum type="arabicPeriod"/>
-            </a:pPr>
-            <a:r>
-              <a:rPr/>
-              <a:t>Provides a blueprint for dockerizing our pipeline</a:t>
-            </a:r>
-          </a:p>
-          <a:p>
-            <a:pPr lvl="0" indent="-342900" marL="342900">
-              <a:buAutoNum type="arabicPeriod"/>
-            </a:pPr>
-            <a:r>
-              <a:rPr/>
-              <a:t>Creates a project-specific library (no interferences)</a:t>
-            </a:r>
-          </a:p>
-        </p:txBody>
-      </p:sp>
-    </p:spTree>
-  </p:cSld>
-</p:sld>
-</file>
-
-<file path=ppt/slides/slide15.xml><?xml version="1.0" encoding="utf-8"?>
-<p:sld xmlns:a="http://schemas.openxmlformats.org/drawingml/2006/main" xmlns:r="http://schemas.openxmlformats.org/officeDocument/2006/relationships" xmlns:p="http://schemas.openxmlformats.org/presentationml/2006/main">
-  <p:cSld>
-    <p:spTree>
-      <p:nvGrpSpPr>
-        <p:cNvPr id="1" name=""/>
-        <p:cNvGrpSpPr/>
-        <p:nvPr/>
-      </p:nvGrpSpPr>
-      <p:grpSpPr>
-        <a:xfrm>
-          <a:off x="0" y="0"/>
-          <a:ext cx="0" cy="0"/>
-          <a:chOff x="0" y="0"/>
-          <a:chExt cx="0" cy="0"/>
-        </a:xfrm>
-      </p:grpSpPr>
-      <p:sp>
-        <p:nvSpPr>
-          <p:cNvPr id="2" name="Title 1"/>
-          <p:cNvSpPr>
-            <a:spLocks noGrp="1"/>
-          </p:cNvSpPr>
-          <p:nvPr>
-            <p:ph type="title"/>
-          </p:nvPr>
-        </p:nvSpPr>
-        <p:spPr/>
-        <p:txBody>
-          <a:bodyPr/>
-          <a:lstStyle/>
-          <a:p>
-            <a:pPr lvl="0" indent="0" marL="0">
-              <a:buNone/>
-            </a:pPr>
-            <a:r>
-              <a:rPr/>
-              <a:t>Going further with Docker: handling R and system-level dependencies</a:t>
-            </a:r>
-          </a:p>
-        </p:txBody>
-      </p:sp>
-      <p:sp>
-        <p:nvSpPr>
-          <p:cNvPr id="3" name="Content Placeholder 2"/>
-          <p:cNvSpPr>
-            <a:spLocks noGrp="1"/>
-          </p:cNvSpPr>
-          <p:nvPr>
-            <p:ph idx="1"/>
-          </p:nvPr>
-        </p:nvSpPr>
-        <p:spPr/>
-        <p:txBody>
-          <a:bodyPr/>
-          <a:lstStyle/>
-          <a:p>
-            <a:pPr lvl="0"/>
-            <a:r>
-              <a:rPr/>
-              <a:t>Docker is a containerisation tool that you install on your computer</a:t>
-            </a:r>
-          </a:p>
-          <a:p>
-            <a:pPr lvl="0"/>
-            <a:r>
-              <a:rPr/>
-              <a:t>Docker allows you to build </a:t>
-            </a:r>
-            <a:r>
-              <a:rPr i="1"/>
-              <a:t>images</a:t>
-            </a:r>
-            <a:r>
-              <a:rPr/>
-              <a:t> and run </a:t>
-            </a:r>
-            <a:r>
-              <a:rPr i="1"/>
-              <a:t>containers</a:t>
-            </a:r>
-            <a:r>
-              <a:rPr/>
-              <a:t> (a container is an instance of an image)</a:t>
-            </a:r>
-          </a:p>
-          <a:p>
-            <a:pPr lvl="0"/>
-            <a:r>
-              <a:rPr/>
-              <a:t>Docker images:</a:t>
-            </a:r>
-          </a:p>
-          <a:p>
-            <a:pPr lvl="1" indent="-342900" marL="685800">
-              <a:buAutoNum type="arabicPeriod"/>
-            </a:pPr>
-            <a:r>
-              <a:rPr/>
-              <a:t>contain all the software and code needed for your project</a:t>
-            </a:r>
-          </a:p>
-          <a:p>
-            <a:pPr lvl="1" indent="-342900" marL="685800">
-              <a:buAutoNum type="arabicPeriod"/>
-            </a:pPr>
-            <a:r>
-              <a:rPr/>
-              <a:t>are immutable (cannot be changed at run-time)</a:t>
-            </a:r>
-          </a:p>
-          <a:p>
-            <a:pPr lvl="1" indent="-342900" marL="685800">
-              <a:buAutoNum type="arabicPeriod"/>
-            </a:pPr>
-            <a:r>
-              <a:rPr/>
-              <a:t>can be shared on- and offline</a:t>
-            </a:r>
-          </a:p>
-        </p:txBody>
-      </p:sp>
-    </p:spTree>
-  </p:cSld>
-</p:sld>
-</file>
-
-<file path=ppt/slides/slide16.xml><?xml version="1.0" encoding="utf-8"?>
-<p:sld xmlns:a="http://schemas.openxmlformats.org/drawingml/2006/main" xmlns:r="http://schemas.openxmlformats.org/officeDocument/2006/relationships" xmlns:p="http://schemas.openxmlformats.org/presentationml/2006/main">
-  <p:cSld>
-    <p:spTree>
-      <p:nvGrpSpPr>
-        <p:cNvPr id="1" name=""/>
-        <p:cNvGrpSpPr/>
-        <p:nvPr/>
-      </p:nvGrpSpPr>
-      <p:grpSpPr>
-        <a:xfrm>
-          <a:off x="0" y="0"/>
-          <a:ext cx="0" cy="0"/>
-          <a:chOff x="0" y="0"/>
-          <a:chExt cx="0" cy="0"/>
-        </a:xfrm>
-      </p:grpSpPr>
-      <p:sp>
-        <p:nvSpPr>
-          <p:cNvPr id="2" name="Title 1"/>
-          <p:cNvSpPr>
-            <a:spLocks noGrp="1"/>
-          </p:cNvSpPr>
-          <p:nvPr>
-            <p:ph type="title"/>
-          </p:nvPr>
-        </p:nvSpPr>
-        <p:spPr/>
-        <p:txBody>
-          <a:bodyPr/>
-          <a:lstStyle/>
-          <a:p>
-            <a:pPr lvl="0" indent="0" marL="0">
-              <a:buNone/>
-            </a:pPr>
-            <a:r>
-              <a:rPr/>
-              <a:t>“Hello, Docker!”</a:t>
-            </a:r>
-          </a:p>
-        </p:txBody>
-      </p:sp>
-      <p:sp>
-        <p:nvSpPr>
-          <p:cNvPr id="3" name="Content Placeholder 2"/>
-          <p:cNvSpPr>
-            <a:spLocks noGrp="1"/>
-          </p:cNvSpPr>
-          <p:nvPr>
-            <p:ph idx="1"/>
-          </p:nvPr>
-        </p:nvSpPr>
-        <p:spPr/>
-        <p:txBody>
-          <a:bodyPr/>
-          <a:lstStyle/>
-          <a:p>
-            <a:pPr lvl="0"/>
-            <a:r>
-              <a:rPr/>
-              <a:t>Start by creating a so-called Dockerfile</a:t>
-            </a:r>
-          </a:p>
-          <a:p>
-            <a:pPr lvl="0"/>
-            <a:r>
-              <a:rPr/>
-              <a:t>Dockerfile = recipe for an image, starts off an existing </a:t>
-            </a:r>
-            <a:r>
-              <a:rPr b="1"/>
-              <a:t>base image</a:t>
-            </a:r>
-          </a:p>
-          <a:p>
-            <a:pPr lvl="0"/>
-            <a:r>
-              <a:rPr/>
-              <a:t>Build the image: </a:t>
-            </a:r>
-            <a:r>
-              <a:rPr>
-                <a:latin typeface="Courier"/>
-              </a:rPr>
-              <a:t>docker build -t hello .</a:t>
-            </a:r>
-          </a:p>
-          <a:p>
-            <a:pPr lvl="0"/>
-            <a:r>
-              <a:rPr/>
-              <a:t>Run a container: </a:t>
-            </a:r>
-            <a:r>
-              <a:rPr>
-                <a:latin typeface="Courier"/>
-              </a:rPr>
-              <a:t>docker run --rm --name hello_container hello</a:t>
-            </a:r>
-          </a:p>
-          <a:p>
-            <a:pPr lvl="0"/>
-            <a:r>
-              <a:rPr>
-                <a:latin typeface="Courier"/>
-              </a:rPr>
-              <a:t>--rm</a:t>
-            </a:r>
-            <a:r>
-              <a:rPr/>
-              <a:t>: remove the container after running</a:t>
-            </a:r>
-          </a:p>
-          <a:p>
-            <a:pPr lvl="0"/>
-            <a:r>
-              <a:rPr>
-                <a:latin typeface="Courier"/>
-              </a:rPr>
-              <a:t>--name some_name</a:t>
-            </a:r>
-            <a:r>
-              <a:rPr/>
-              <a:t>: name your container </a:t>
-            </a:r>
-            <a:r>
-              <a:rPr>
-                <a:latin typeface="Courier"/>
-              </a:rPr>
-              <a:t>some_name</a:t>
-            </a:r>
-          </a:p>
-        </p:txBody>
-      </p:sp>
-    </p:spTree>
-  </p:cSld>
-</p:sld>
-</file>
-
-<file path=ppt/slides/slide17.xml><?xml version="1.0" encoding="utf-8"?>
 <p:sld xmlns:a="http://schemas.openxmlformats.org/drawingml/2006/main" xmlns:r="http://schemas.openxmlformats.org/officeDocument/2006/relationships" xmlns:p="http://schemas.openxmlformats.org/presentationml/2006/main">
   <p:cSld>
     <p:spTree>
@@ -4125,7 +3795,7 @@
 </p:sld>
 </file>
 
-<file path=ppt/slides/slide18.xml><?xml version="1.0" encoding="utf-8"?>
+<file path=ppt/slides/slide15.xml><?xml version="1.0" encoding="utf-8"?>
 <p:sld xmlns:a="http://schemas.openxmlformats.org/drawingml/2006/main" xmlns:r="http://schemas.openxmlformats.org/officeDocument/2006/relationships" xmlns:p="http://schemas.openxmlformats.org/presentationml/2006/main">
   <p:cSld>
     <p:spTree>
@@ -4202,6 +3872,351 @@
 </p:sld>
 </file>
 
+<file path=ppt/slides/slide16.xml><?xml version="1.0" encoding="utf-8"?>
+<p:sld xmlns:a="http://schemas.openxmlformats.org/drawingml/2006/main" xmlns:r="http://schemas.openxmlformats.org/officeDocument/2006/relationships" xmlns:p="http://schemas.openxmlformats.org/presentationml/2006/main">
+  <p:cSld>
+    <p:spTree>
+      <p:nvGrpSpPr>
+        <p:cNvPr id="1" name=""/>
+        <p:cNvGrpSpPr/>
+        <p:nvPr/>
+      </p:nvGrpSpPr>
+      <p:grpSpPr>
+        <a:xfrm>
+          <a:off x="0" y="0"/>
+          <a:ext cx="0" cy="0"/>
+          <a:chOff x="0" y="0"/>
+          <a:chExt cx="0" cy="0"/>
+        </a:xfrm>
+      </p:grpSpPr>
+      <p:sp>
+        <p:nvSpPr>
+          <p:cNvPr id="2" name="Title 1"/>
+          <p:cNvSpPr>
+            <a:spLocks noGrp="1"/>
+          </p:cNvSpPr>
+          <p:nvPr>
+            <p:ph type="title"/>
+          </p:nvPr>
+        </p:nvSpPr>
+        <p:spPr/>
+        <p:txBody>
+          <a:bodyPr/>
+          <a:lstStyle/>
+          <a:p>
+            <a:pPr lvl="0" indent="0" marL="0">
+              <a:buNone/>
+            </a:pPr>
+            <a:r>
+              <a:rPr/>
+              <a:t>Dockerizing a project (1/3)</a:t>
+            </a:r>
+          </a:p>
+        </p:txBody>
+      </p:sp>
+      <p:sp>
+        <p:nvSpPr>
+          <p:cNvPr id="3" name="Content Placeholder 2"/>
+          <p:cNvSpPr>
+            <a:spLocks noGrp="1"/>
+          </p:cNvSpPr>
+          <p:nvPr>
+            <p:ph idx="1"/>
+          </p:nvPr>
+        </p:nvSpPr>
+        <p:spPr/>
+        <p:txBody>
+          <a:bodyPr/>
+          <a:lstStyle/>
+          <a:p>
+            <a:pPr lvl="0" indent="0" marL="0">
+              <a:buNone/>
+            </a:pPr>
+            <a:r>
+              <a:rPr/>
+              <a:t>Dockerizing a project could look like this:</a:t>
+            </a:r>
+          </a:p>
+          <a:p>
+            <a:pPr lvl="0"/>
+            <a:r>
+              <a:rPr/>
+              <a:t>At image build-time:</a:t>
+            </a:r>
+          </a:p>
+          <a:p>
+            <a:pPr lvl="1" indent="-342900" marL="685800">
+              <a:buAutoNum type="arabicPeriod"/>
+            </a:pPr>
+            <a:r>
+              <a:rPr/>
+              <a:t>install R (or use an image that ships R)</a:t>
+            </a:r>
+          </a:p>
+          <a:p>
+            <a:pPr lvl="1" indent="-342900" marL="685800">
+              <a:buAutoNum type="arabicPeriod"/>
+            </a:pPr>
+            <a:r>
+              <a:rPr/>
+              <a:t>install packages (using our </a:t>
+            </a:r>
+            <a:r>
+              <a:rPr>
+                <a:latin typeface="Courier"/>
+              </a:rPr>
+              <a:t>renv.lock</a:t>
+            </a:r>
+            <a:r>
+              <a:rPr/>
+              <a:t> file)</a:t>
+            </a:r>
+          </a:p>
+          <a:p>
+            <a:pPr lvl="1" indent="-342900" marL="685800">
+              <a:buAutoNum type="arabicPeriod"/>
+            </a:pPr>
+            <a:r>
+              <a:rPr/>
+              <a:t>copy all scripts to the image</a:t>
+            </a:r>
+          </a:p>
+          <a:p>
+            <a:pPr lvl="1" indent="-342900" marL="685800">
+              <a:buAutoNum type="arabicPeriod"/>
+            </a:pPr>
+            <a:r>
+              <a:rPr/>
+              <a:t>run the analysis using </a:t>
+            </a:r>
+            <a:r>
+              <a:rPr>
+                <a:latin typeface="Courier"/>
+              </a:rPr>
+              <a:t>targets::tar_make()</a:t>
+            </a:r>
+          </a:p>
+          <a:p>
+            <a:pPr lvl="0"/>
+            <a:r>
+              <a:rPr/>
+              <a:t>At container run-time:</a:t>
+            </a:r>
+          </a:p>
+          <a:p>
+            <a:pPr lvl="1" indent="-342900" marL="685800">
+              <a:buAutoNum type="arabicPeriod"/>
+            </a:pPr>
+            <a:r>
+              <a:rPr/>
+              <a:t>copy the outputs of the analysis from the container to your computer</a:t>
+            </a:r>
+          </a:p>
+          <a:p>
+            <a:pPr lvl="1" indent="-342900" marL="685800">
+              <a:buAutoNum type="arabicPeriod"/>
+            </a:pPr>
+            <a:r>
+              <a:rPr/>
+              <a:t>possible to “log-in” into a running container to inspect code and outputs</a:t>
+            </a:r>
+          </a:p>
+        </p:txBody>
+      </p:sp>
+    </p:spTree>
+  </p:cSld>
+</p:sld>
+</file>
+
+<file path=ppt/slides/slide17.xml><?xml version="1.0" encoding="utf-8"?>
+<p:sld xmlns:a="http://schemas.openxmlformats.org/drawingml/2006/main" xmlns:r="http://schemas.openxmlformats.org/officeDocument/2006/relationships" xmlns:p="http://schemas.openxmlformats.org/presentationml/2006/main">
+  <p:cSld>
+    <p:spTree>
+      <p:nvGrpSpPr>
+        <p:cNvPr id="1" name=""/>
+        <p:cNvGrpSpPr/>
+        <p:nvPr/>
+      </p:nvGrpSpPr>
+      <p:grpSpPr>
+        <a:xfrm>
+          <a:off x="0" y="0"/>
+          <a:ext cx="0" cy="0"/>
+          <a:chOff x="0" y="0"/>
+          <a:chExt cx="0" cy="0"/>
+        </a:xfrm>
+      </p:grpSpPr>
+      <p:sp>
+        <p:nvSpPr>
+          <p:cNvPr id="2" name="Title 1"/>
+          <p:cNvSpPr>
+            <a:spLocks noGrp="1"/>
+          </p:cNvSpPr>
+          <p:nvPr>
+            <p:ph type="title"/>
+          </p:nvPr>
+        </p:nvSpPr>
+        <p:spPr/>
+        <p:txBody>
+          <a:bodyPr/>
+          <a:lstStyle/>
+          <a:p>
+            <a:pPr lvl="0" indent="0" marL="0">
+              <a:buNone/>
+            </a:pPr>
+            <a:r>
+              <a:rPr/>
+              <a:t>Dockerizing a project (2/3)</a:t>
+            </a:r>
+          </a:p>
+        </p:txBody>
+      </p:sp>
+      <p:sp>
+        <p:nvSpPr>
+          <p:cNvPr id="3" name="Content Placeholder 2"/>
+          <p:cNvSpPr>
+            <a:spLocks noGrp="1"/>
+          </p:cNvSpPr>
+          <p:nvPr>
+            <p:ph idx="1"/>
+          </p:nvPr>
+        </p:nvSpPr>
+        <p:spPr/>
+        <p:txBody>
+          <a:bodyPr/>
+          <a:lstStyle/>
+          <a:p>
+            <a:pPr lvl="0"/>
+            <a:r>
+              <a:rPr/>
+              <a:t>Restoring package with </a:t>
+            </a:r>
+            <a:r>
+              <a:rPr>
+                <a:latin typeface="Courier"/>
+              </a:rPr>
+              <a:t>{renv}</a:t>
+            </a:r>
+            <a:r>
+              <a:rPr/>
+              <a:t> can be tricky:</a:t>
+            </a:r>
+          </a:p>
+          <a:p>
+            <a:pPr lvl="0" indent="0">
+              <a:buNone/>
+            </a:pPr>
+            <a:r>
+              <a:rPr>
+                <a:latin typeface="Courier"/>
+              </a:rPr>
+              <a:t>#&gt; * installing *source* package ‘ModelMetrics’ ...
+#&gt; ** package ‘ModelMetrics’ successfully unpacked and MD5 sums checked
+#&gt; ** using staged installation
+#&gt; ** libs
+#&gt; /usr/bin/clang++ -std=gnu++11 -I"/opt/R-devel/lib64/R/include" -DNDEBUG -I'/home/docker/R/Rcpp/include' -I/usr/local/include -fpic -g -O2 -c RcppExports.cpp -o RcppExports.o
+#&gt; /usr/bin/clang++ -std=gnu++11 -I"/opt/R-devel/lib64/R/include" -DNDEBUG -I'/home/docker/R/Rcpp/include' -I/usr/local/include -fpic -g -O2 -c auc_.cpp -o auc_.o
+#&gt; auc_.cpp:2:10: fatal error: 'omp.h' file not found
+#&gt; #include
+#&gt; ^~~~~~~
+#&gt; 1 error generated.
+#&gt; make: *** [/opt/R-devel/lib64/R/etc/Makeconf:178: auc_.o] Error 1
+#&gt; ERROR: compilation failed for package ‘ModelMetrics’</a:t>
+            </a:r>
+          </a:p>
+        </p:txBody>
+      </p:sp>
+    </p:spTree>
+  </p:cSld>
+</p:sld>
+</file>
+
+<file path=ppt/slides/slide18.xml><?xml version="1.0" encoding="utf-8"?>
+<p:sld xmlns:a="http://schemas.openxmlformats.org/drawingml/2006/main" xmlns:r="http://schemas.openxmlformats.org/officeDocument/2006/relationships" xmlns:p="http://schemas.openxmlformats.org/presentationml/2006/main">
+  <p:cSld>
+    <p:spTree>
+      <p:nvGrpSpPr>
+        <p:cNvPr id="1" name=""/>
+        <p:cNvGrpSpPr/>
+        <p:nvPr/>
+      </p:nvGrpSpPr>
+      <p:grpSpPr>
+        <a:xfrm>
+          <a:off x="0" y="0"/>
+          <a:ext cx="0" cy="0"/>
+          <a:chOff x="0" y="0"/>
+          <a:chExt cx="0" cy="0"/>
+        </a:xfrm>
+      </p:grpSpPr>
+      <p:sp>
+        <p:nvSpPr>
+          <p:cNvPr id="2" name="Title 1"/>
+          <p:cNvSpPr>
+            <a:spLocks noGrp="1"/>
+          </p:cNvSpPr>
+          <p:nvPr>
+            <p:ph type="title"/>
+          </p:nvPr>
+        </p:nvSpPr>
+        <p:spPr/>
+        <p:txBody>
+          <a:bodyPr/>
+          <a:lstStyle/>
+          <a:p>
+            <a:pPr lvl="0" indent="0" marL="0">
+              <a:buNone/>
+            </a:pPr>
+            <a:r>
+              <a:rPr/>
+              <a:t>Dockerizing a project (2/3)</a:t>
+            </a:r>
+          </a:p>
+        </p:txBody>
+      </p:sp>
+      <p:sp>
+        <p:nvSpPr>
+          <p:cNvPr id="3" name="Content Placeholder 2"/>
+          <p:cNvSpPr>
+            <a:spLocks noGrp="1"/>
+          </p:cNvSpPr>
+          <p:nvPr>
+            <p:ph idx="1"/>
+          </p:nvPr>
+        </p:nvSpPr>
+        <p:spPr/>
+        <p:txBody>
+          <a:bodyPr/>
+          <a:lstStyle/>
+          <a:p>
+            <a:pPr lvl="0"/>
+            <a:r>
+              <a:rPr/>
+              <a:t>The older the </a:t>
+            </a:r>
+            <a:r>
+              <a:rPr>
+                <a:latin typeface="Courier"/>
+              </a:rPr>
+              <a:t>renv.lock</a:t>
+            </a:r>
+            <a:r>
+              <a:rPr/>
+              <a:t> file, the harder to restore!</a:t>
+            </a:r>
+          </a:p>
+          <a:p>
+            <a:pPr lvl="0"/>
+            <a:r>
+              <a:rPr/>
+              <a:t>Gets very complicated if you add Python and/or other tools.</a:t>
+            </a:r>
+          </a:p>
+        </p:txBody>
+      </p:sp>
+    </p:spTree>
+  </p:cSld>
+</p:sld>
+</file>
+
 <file path=ppt/slides/slide19.xml><?xml version="1.0" encoding="utf-8"?>
 <p:sld xmlns:a="http://schemas.openxmlformats.org/drawingml/2006/main" xmlns:r="http://schemas.openxmlformats.org/officeDocument/2006/relationships" xmlns:p="http://schemas.openxmlformats.org/presentationml/2006/main">
   <p:cSld>
@@ -4239,7 +4254,7 @@
             </a:pPr>
             <a:r>
               <a:rPr/>
-              <a:t>Dockerizing a project (1/3)</a:t>
+              <a:t>Dockerizing a project (3/3)</a:t>
             </a:r>
           </a:p>
         </p:txBody>
@@ -4262,7 +4277,14 @@
             <a:pPr lvl="0"/>
             <a:r>
               <a:rPr/>
-              <a:t>At image build-time:</a:t>
+              <a:t>ALSO! Image build process not reproducible per se, only running containers is</a:t>
+            </a:r>
+          </a:p>
+          <a:p>
+            <a:pPr lvl="0"/>
+            <a:r>
+              <a:rPr/>
+              <a:t>YOU need to make sure build process is reproducible (or store the built images)</a:t>
             </a:r>
           </a:p>
           <a:p>
@@ -4271,7 +4293,7 @@
             </a:pPr>
             <a:r>
               <a:rPr/>
-              <a:t>install R (or use an image that ships R)</a:t>
+              <a:t>Need to fix version of R</a:t>
             </a:r>
           </a:p>
           <a:p>
@@ -4280,66 +4302,7 @@
             </a:pPr>
             <a:r>
               <a:rPr/>
-              <a:t>install packages (using our </a:t>
-            </a:r>
-            <a:r>
-              <a:rPr>
-                <a:latin typeface="Courier"/>
-              </a:rPr>
-              <a:t>renv.lock</a:t>
-            </a:r>
-            <a:r>
-              <a:rPr/>
-              <a:t> file)</a:t>
-            </a:r>
-          </a:p>
-          <a:p>
-            <a:pPr lvl="1" indent="-342900" marL="685800">
-              <a:buAutoNum type="arabicPeriod"/>
-            </a:pPr>
-            <a:r>
-              <a:rPr/>
-              <a:t>copy all scripts to the image</a:t>
-            </a:r>
-          </a:p>
-          <a:p>
-            <a:pPr lvl="1" indent="-342900" marL="685800">
-              <a:buAutoNum type="arabicPeriod"/>
-            </a:pPr>
-            <a:r>
-              <a:rPr/>
-              <a:t>run the analysis using </a:t>
-            </a:r>
-            <a:r>
-              <a:rPr>
-                <a:latin typeface="Courier"/>
-              </a:rPr>
-              <a:t>targets::tar_make()</a:t>
-            </a:r>
-          </a:p>
-          <a:p>
-            <a:pPr lvl="0"/>
-            <a:r>
-              <a:rPr/>
-              <a:t>At container run-time:</a:t>
-            </a:r>
-          </a:p>
-          <a:p>
-            <a:pPr lvl="1" indent="-342900" marL="685800">
-              <a:buAutoNum type="arabicPeriod"/>
-            </a:pPr>
-            <a:r>
-              <a:rPr/>
-              <a:t>copy the outputs of the analysis from the container to your computer</a:t>
-            </a:r>
-          </a:p>
-          <a:p>
-            <a:pPr lvl="1" indent="-342900" marL="685800">
-              <a:buAutoNum type="arabicPeriod"/>
-            </a:pPr>
-            <a:r>
-              <a:rPr/>
-              <a:t>possible to “log-in” into a running container to inspect code and outputs</a:t>
+              <a:t>Base image layer becomes unsupported at some point</a:t>
             </a:r>
           </a:p>
         </p:txBody>
@@ -4488,7 +4451,7 @@
             </a:pPr>
             <a:r>
               <a:rPr/>
-              <a:t>Dockerizing a project (2/3)</a:t>
+              <a:t>Docker conclusion</a:t>
             </a:r>
           </a:p>
         </p:txBody>
@@ -4511,21 +4474,36 @@
             <a:pPr lvl="0"/>
             <a:r>
               <a:rPr/>
-              <a:t>The completed and built image can be shared, or just the Dockerfile (and users can then rebuild the image)</a:t>
-            </a:r>
-          </a:p>
-          <a:p>
-            <a:pPr lvl="0"/>
-            <a:r>
-              <a:rPr/>
-              <a:t>The outputs will always stay the same!</a:t>
-            </a:r>
-          </a:p>
-          <a:p>
-            <a:pPr lvl="0"/>
-            <a:r>
-              <a:rPr/>
-              <a:t>Working interactively using Docker can be challenging though</a:t>
+              <a:t>Docker is very useful and widely used</a:t>
+            </a:r>
+          </a:p>
+          <a:p>
+            <a:pPr lvl="0"/>
+            <a:r>
+              <a:rPr/>
+              <a:t>But the entry cost is high (familiarity with Linux is recommended)</a:t>
+            </a:r>
+          </a:p>
+          <a:p>
+            <a:pPr lvl="0"/>
+            <a:r>
+              <a:rPr/>
+              <a:t>Single point of failure (what happens if Docker gets bought, abandoned, etc? </a:t>
+            </a:r>
+            <a:r>
+              <a:rPr b="1"/>
+              <a:t>quite unlikely though</a:t>
+            </a:r>
+            <a:r>
+              <a:rPr/>
+              <a:t>)</a:t>
+            </a:r>
+          </a:p>
+          <a:p>
+            <a:pPr lvl="0"/>
+            <a:r>
+              <a:rPr/>
+              <a:t>Not actually dealing with reproducibility per se, we’re “abusing” Docker in a way</a:t>
             </a:r>
           </a:p>
         </p:txBody>
@@ -4536,294 +4514,6 @@
 </file>
 
 <file path=ppt/slides/slide21.xml><?xml version="1.0" encoding="utf-8"?>
-<p:sld xmlns:a="http://schemas.openxmlformats.org/drawingml/2006/main" xmlns:r="http://schemas.openxmlformats.org/officeDocument/2006/relationships" xmlns:p="http://schemas.openxmlformats.org/presentationml/2006/main">
-  <p:cSld>
-    <p:spTree>
-      <p:nvGrpSpPr>
-        <p:cNvPr id="1" name=""/>
-        <p:cNvGrpSpPr/>
-        <p:nvPr/>
-      </p:nvGrpSpPr>
-      <p:grpSpPr>
-        <a:xfrm>
-          <a:off x="0" y="0"/>
-          <a:ext cx="0" cy="0"/>
-          <a:chOff x="0" y="0"/>
-          <a:chExt cx="0" cy="0"/>
-        </a:xfrm>
-      </p:grpSpPr>
-      <p:sp>
-        <p:nvSpPr>
-          <p:cNvPr id="2" name="Title 1"/>
-          <p:cNvSpPr>
-            <a:spLocks noGrp="1"/>
-          </p:cNvSpPr>
-          <p:nvPr>
-            <p:ph type="title"/>
-          </p:nvPr>
-        </p:nvSpPr>
-        <p:spPr/>
-        <p:txBody>
-          <a:bodyPr/>
-          <a:lstStyle/>
-          <a:p>
-            <a:pPr lvl="0" indent="0" marL="0">
-              <a:buNone/>
-            </a:pPr>
-            <a:r>
-              <a:rPr/>
-              <a:t>Dockerizing a project (3/3)</a:t>
-            </a:r>
-          </a:p>
-        </p:txBody>
-      </p:sp>
-      <p:sp>
-        <p:nvSpPr>
-          <p:cNvPr id="3" name="Content Placeholder 2"/>
-          <p:cNvSpPr>
-            <a:spLocks noGrp="1"/>
-          </p:cNvSpPr>
-          <p:nvPr>
-            <p:ph idx="1"/>
-          </p:nvPr>
-        </p:nvSpPr>
-        <p:spPr/>
-        <p:txBody>
-          <a:bodyPr/>
-          <a:lstStyle/>
-          <a:p>
-            <a:pPr lvl="0"/>
-            <a:r>
-              <a:rPr/>
-              <a:t>But! Image build process not reproducible per se, only running containers is</a:t>
-            </a:r>
-          </a:p>
-          <a:p>
-            <a:pPr lvl="0"/>
-            <a:r>
-              <a:rPr/>
-              <a:t>YOU need to make sure build process is reproducible (or store the built images)</a:t>
-            </a:r>
-          </a:p>
-          <a:p>
-            <a:pPr lvl="1" indent="-342900" marL="685800">
-              <a:buAutoNum type="arabicPeriod"/>
-            </a:pPr>
-            <a:r>
-              <a:rPr/>
-              <a:t>Need to fix version of R</a:t>
-            </a:r>
-          </a:p>
-          <a:p>
-            <a:pPr lvl="1" indent="-342900" marL="685800">
-              <a:buAutoNum type="arabicPeriod"/>
-            </a:pPr>
-            <a:r>
-              <a:rPr/>
-              <a:t>Base image layer becomes unsupported at some point</a:t>
-            </a:r>
-          </a:p>
-        </p:txBody>
-      </p:sp>
-    </p:spTree>
-  </p:cSld>
-</p:sld>
-</file>
-
-<file path=ppt/slides/slide22.xml><?xml version="1.0" encoding="utf-8"?>
-<p:sld xmlns:a="http://schemas.openxmlformats.org/drawingml/2006/main" xmlns:r="http://schemas.openxmlformats.org/officeDocument/2006/relationships" xmlns:p="http://schemas.openxmlformats.org/presentationml/2006/main">
-  <p:cSld>
-    <p:spTree>
-      <p:nvGrpSpPr>
-        <p:cNvPr id="1" name=""/>
-        <p:cNvGrpSpPr/>
-        <p:nvPr/>
-      </p:nvGrpSpPr>
-      <p:grpSpPr>
-        <a:xfrm>
-          <a:off x="0" y="0"/>
-          <a:ext cx="0" cy="0"/>
-          <a:chOff x="0" y="0"/>
-          <a:chExt cx="0" cy="0"/>
-        </a:xfrm>
-      </p:grpSpPr>
-      <p:sp>
-        <p:nvSpPr>
-          <p:cNvPr id="2" name="Title 1"/>
-          <p:cNvSpPr>
-            <a:spLocks noGrp="1"/>
-          </p:cNvSpPr>
-          <p:nvPr>
-            <p:ph type="title"/>
-          </p:nvPr>
-        </p:nvSpPr>
-        <p:spPr/>
-        <p:txBody>
-          <a:bodyPr/>
-          <a:lstStyle/>
-          <a:p>
-            <a:pPr lvl="0" indent="0" marL="0">
-              <a:buNone/>
-            </a:pPr>
-            <a:r>
-              <a:rPr/>
-              <a:t>The Rocker project</a:t>
-            </a:r>
-          </a:p>
-        </p:txBody>
-      </p:sp>
-      <p:sp>
-        <p:nvSpPr>
-          <p:cNvPr id="3" name="Content Placeholder 2"/>
-          <p:cNvSpPr>
-            <a:spLocks noGrp="1"/>
-          </p:cNvSpPr>
-          <p:nvPr>
-            <p:ph idx="1"/>
-          </p:nvPr>
-        </p:nvSpPr>
-        <p:spPr/>
-        <p:txBody>
-          <a:bodyPr/>
-          <a:lstStyle/>
-          <a:p>
-            <a:pPr lvl="0"/>
-            <a:r>
-              <a:rPr/>
-              <a:t>It is possible to build new images from other images</a:t>
-            </a:r>
-          </a:p>
-          <a:p>
-            <a:pPr lvl="0"/>
-            <a:r>
-              <a:rPr/>
-              <a:t>The Rocker project provides many images with R, RStudio, Shiny, and other packages pre-installed</a:t>
-            </a:r>
-          </a:p>
-          <a:p>
-            <a:pPr lvl="0"/>
-            <a:r>
-              <a:rPr/>
-              <a:t>I recommend the </a:t>
-            </a:r>
-            <a:r>
-              <a:rPr>
-                <a:hlinkClick r:id="rId2"/>
-              </a:rPr>
-              <a:t>“r-ver”</a:t>
-            </a:r>
-            <a:r>
-              <a:rPr/>
-              <a:t> images, specifically made for reproducibility</a:t>
-            </a:r>
-          </a:p>
-        </p:txBody>
-      </p:sp>
-    </p:spTree>
-  </p:cSld>
-</p:sld>
-</file>
-
-<file path=ppt/slides/slide23.xml><?xml version="1.0" encoding="utf-8"?>
-<p:sld xmlns:a="http://schemas.openxmlformats.org/drawingml/2006/main" xmlns:r="http://schemas.openxmlformats.org/officeDocument/2006/relationships" xmlns:p="http://schemas.openxmlformats.org/presentationml/2006/main">
-  <p:cSld>
-    <p:spTree>
-      <p:nvGrpSpPr>
-        <p:cNvPr id="1" name=""/>
-        <p:cNvGrpSpPr/>
-        <p:nvPr/>
-      </p:nvGrpSpPr>
-      <p:grpSpPr>
-        <a:xfrm>
-          <a:off x="0" y="0"/>
-          <a:ext cx="0" cy="0"/>
-          <a:chOff x="0" y="0"/>
-          <a:chExt cx="0" cy="0"/>
-        </a:xfrm>
-      </p:grpSpPr>
-      <p:sp>
-        <p:nvSpPr>
-          <p:cNvPr id="2" name="Title 1"/>
-          <p:cNvSpPr>
-            <a:spLocks noGrp="1"/>
-          </p:cNvSpPr>
-          <p:nvPr>
-            <p:ph type="title"/>
-          </p:nvPr>
-        </p:nvSpPr>
-        <p:spPr/>
-        <p:txBody>
-          <a:bodyPr/>
-          <a:lstStyle/>
-          <a:p>
-            <a:pPr lvl="0" indent="0" marL="0">
-              <a:buNone/>
-            </a:pPr>
-            <a:r>
-              <a:rPr/>
-              <a:t>Docker: a panacea?</a:t>
-            </a:r>
-          </a:p>
-        </p:txBody>
-      </p:sp>
-      <p:sp>
-        <p:nvSpPr>
-          <p:cNvPr id="3" name="Content Placeholder 2"/>
-          <p:cNvSpPr>
-            <a:spLocks noGrp="1"/>
-          </p:cNvSpPr>
-          <p:nvPr>
-            <p:ph idx="1"/>
-          </p:nvPr>
-        </p:nvSpPr>
-        <p:spPr/>
-        <p:txBody>
-          <a:bodyPr/>
-          <a:lstStyle/>
-          <a:p>
-            <a:pPr lvl="0"/>
-            <a:r>
-              <a:rPr/>
-              <a:t>Docker is very useful and widely used</a:t>
-            </a:r>
-          </a:p>
-          <a:p>
-            <a:pPr lvl="0"/>
-            <a:r>
-              <a:rPr/>
-              <a:t>But the entry cost is high (familiarity with Linux is recommended)</a:t>
-            </a:r>
-          </a:p>
-          <a:p>
-            <a:pPr lvl="0"/>
-            <a:r>
-              <a:rPr/>
-              <a:t>Single point of failure (what happens if Docker gets bought, abandoned, etc? </a:t>
-            </a:r>
-            <a:r>
-              <a:rPr b="1"/>
-              <a:t>quite unlikely though</a:t>
-            </a:r>
-            <a:r>
-              <a:rPr/>
-              <a:t>)</a:t>
-            </a:r>
-          </a:p>
-          <a:p>
-            <a:pPr lvl="0"/>
-            <a:r>
-              <a:rPr/>
-              <a:t>Not actually dealing with reproducibility per se, we’re “abusing” Docker in a way</a:t>
-            </a:r>
-          </a:p>
-        </p:txBody>
-      </p:sp>
-    </p:spTree>
-  </p:cSld>
-</p:sld>
-</file>
-
-<file path=ppt/slides/slide24.xml><?xml version="1.0" encoding="utf-8"?>
 <p:sld xmlns:a="http://schemas.openxmlformats.org/drawingml/2006/main" xmlns:r="http://schemas.openxmlformats.org/officeDocument/2006/relationships" xmlns:p="http://schemas.openxmlformats.org/presentationml/2006/main">
   <p:cSld>
     <p:spTree>
@@ -4991,6 +4681,288 @@
 </p:sld>
 </file>
 
+<file path=ppt/slides/slide22.xml><?xml version="1.0" encoding="utf-8"?>
+<p:sld xmlns:a="http://schemas.openxmlformats.org/drawingml/2006/main" xmlns:r="http://schemas.openxmlformats.org/officeDocument/2006/relationships" xmlns:p="http://schemas.openxmlformats.org/presentationml/2006/main">
+  <p:cSld>
+    <p:spTree>
+      <p:nvGrpSpPr>
+        <p:cNvPr id="1" name=""/>
+        <p:cNvGrpSpPr/>
+        <p:nvPr/>
+      </p:nvGrpSpPr>
+      <p:grpSpPr>
+        <a:xfrm>
+          <a:off x="0" y="0"/>
+          <a:ext cx="0" cy="0"/>
+          <a:chOff x="0" y="0"/>
+          <a:chExt cx="0" cy="0"/>
+        </a:xfrm>
+      </p:grpSpPr>
+      <p:sp>
+        <p:nvSpPr>
+          <p:cNvPr id="2" name="Title 1"/>
+          <p:cNvSpPr>
+            <a:spLocks noGrp="1"/>
+          </p:cNvSpPr>
+          <p:nvPr>
+            <p:ph type="title"/>
+          </p:nvPr>
+        </p:nvSpPr>
+        <p:spPr/>
+        <p:txBody>
+          <a:bodyPr/>
+          <a:lstStyle/>
+          <a:p>
+            <a:pPr lvl="0" indent="0" marL="0">
+              <a:buNone/>
+            </a:pPr>
+            <a:r>
+              <a:rPr/>
+              <a:t>The Nix package manager (2/2)</a:t>
+            </a:r>
+          </a:p>
+        </p:txBody>
+      </p:sp>
+      <p:sp>
+        <p:nvSpPr>
+          <p:cNvPr id="3" name="Content Placeholder 2"/>
+          <p:cNvSpPr>
+            <a:spLocks noGrp="1"/>
+          </p:cNvSpPr>
+          <p:nvPr>
+            <p:ph idx="1"/>
+          </p:nvPr>
+        </p:nvSpPr>
+        <p:spPr/>
+        <p:txBody>
+          <a:bodyPr/>
+          <a:lstStyle/>
+          <a:p>
+            <a:pPr lvl="0"/>
+            <a:r>
+              <a:rPr/>
+              <a:t>Reproducibility: R, R packages and other dependencies must be managed</a:t>
+            </a:r>
+          </a:p>
+          <a:p>
+            <a:pPr lvl="0"/>
+            <a:r>
+              <a:rPr/>
+              <a:t>Nix deals with everything, with one single text file (called a Nix expression)!</a:t>
+            </a:r>
+          </a:p>
+          <a:p>
+            <a:pPr lvl="0"/>
+            <a:r>
+              <a:rPr/>
+              <a:t>Nix is a package manager actually focused on reproducible builds</a:t>
+            </a:r>
+          </a:p>
+          <a:p>
+            <a:pPr lvl="0"/>
+            <a:r>
+              <a:rPr/>
+              <a:t>These Nix expressions </a:t>
+            </a:r>
+            <a:r>
+              <a:rPr i="1"/>
+              <a:t>always</a:t>
+            </a:r>
+            <a:r>
+              <a:rPr/>
+              <a:t> build the exact same output</a:t>
+            </a:r>
+          </a:p>
+        </p:txBody>
+      </p:sp>
+    </p:spTree>
+  </p:cSld>
+</p:sld>
+</file>
+
+<file path=ppt/slides/slide23.xml><?xml version="1.0" encoding="utf-8"?>
+<p:sld xmlns:a="http://schemas.openxmlformats.org/drawingml/2006/main" xmlns:r="http://schemas.openxmlformats.org/officeDocument/2006/relationships" xmlns:p="http://schemas.openxmlformats.org/presentationml/2006/main">
+  <p:cSld>
+    <p:spTree>
+      <p:nvGrpSpPr>
+        <p:cNvPr id="1" name=""/>
+        <p:cNvGrpSpPr/>
+        <p:nvPr/>
+      </p:nvGrpSpPr>
+      <p:grpSpPr>
+        <a:xfrm>
+          <a:off x="0" y="0"/>
+          <a:ext cx="0" cy="0"/>
+          <a:chOff x="0" y="0"/>
+          <a:chExt cx="0" cy="0"/>
+        </a:xfrm>
+      </p:grpSpPr>
+      <p:sp>
+        <p:nvSpPr>
+          <p:cNvPr id="2" name="Title 1"/>
+          <p:cNvSpPr>
+            <a:spLocks noGrp="1"/>
+          </p:cNvSpPr>
+          <p:nvPr>
+            <p:ph type="title"/>
+          </p:nvPr>
+        </p:nvSpPr>
+        <p:spPr/>
+        <p:txBody>
+          <a:bodyPr/>
+          <a:lstStyle/>
+          <a:p>
+            <a:pPr lvl="0" indent="0" marL="0">
+              <a:buNone/>
+            </a:pPr>
+            <a:r>
+              <a:rPr/>
+              <a:t>A basic Nix expression (1/6)</a:t>
+            </a:r>
+          </a:p>
+        </p:txBody>
+      </p:sp>
+      <p:sp>
+        <p:nvSpPr>
+          <p:cNvPr id="3" name="Content Placeholder 2"/>
+          <p:cNvSpPr>
+            <a:spLocks noGrp="1"/>
+          </p:cNvSpPr>
+          <p:nvPr>
+            <p:ph idx="1"/>
+          </p:nvPr>
+        </p:nvSpPr>
+        <p:spPr/>
+        <p:txBody>
+          <a:bodyPr/>
+          <a:lstStyle/>
+          <a:p>
+            <a:pPr lvl="0" indent="0">
+              <a:buNone/>
+            </a:pPr>
+            <a:r>
+              <a:rPr>
+                <a:latin typeface="Courier"/>
+              </a:rPr>
+              <a:t>let
+  pkgs = import (fetchTarball "https://github.com/NixOS/nixpkgs/archive/976fa3369d722e76f37c77493d99829540d43845.tar.gz") {};
+  system_packages = builtins.attrValues {
+    inherit (pkgs) R ;
+  };
+in
+  pkgs.mkShell {
+    buildInputs = [ system_packages ];
+    shellHook = "R --vanilla";
+  }</a:t>
+            </a:r>
+          </a:p>
+          <a:p>
+            <a:pPr lvl="0" indent="0" marL="0">
+              <a:buNone/>
+            </a:pPr>
+            <a:r>
+              <a:rPr/>
+              <a:t>There’s a lot to discuss here!</a:t>
+            </a:r>
+          </a:p>
+        </p:txBody>
+      </p:sp>
+    </p:spTree>
+  </p:cSld>
+</p:sld>
+</file>
+
+<file path=ppt/slides/slide24.xml><?xml version="1.0" encoding="utf-8"?>
+<p:sld xmlns:a="http://schemas.openxmlformats.org/drawingml/2006/main" xmlns:r="http://schemas.openxmlformats.org/officeDocument/2006/relationships" xmlns:p="http://schemas.openxmlformats.org/presentationml/2006/main">
+  <p:cSld>
+    <p:spTree>
+      <p:nvGrpSpPr>
+        <p:cNvPr id="1" name=""/>
+        <p:cNvGrpSpPr/>
+        <p:nvPr/>
+      </p:nvGrpSpPr>
+      <p:grpSpPr>
+        <a:xfrm>
+          <a:off x="0" y="0"/>
+          <a:ext cx="0" cy="0"/>
+          <a:chOff x="0" y="0"/>
+          <a:chExt cx="0" cy="0"/>
+        </a:xfrm>
+      </p:grpSpPr>
+      <p:sp>
+        <p:nvSpPr>
+          <p:cNvPr id="2" name="Title 1"/>
+          <p:cNvSpPr>
+            <a:spLocks noGrp="1"/>
+          </p:cNvSpPr>
+          <p:nvPr>
+            <p:ph type="title"/>
+          </p:nvPr>
+        </p:nvSpPr>
+        <p:spPr/>
+        <p:txBody>
+          <a:bodyPr/>
+          <a:lstStyle/>
+          <a:p>
+            <a:pPr lvl="0" indent="0" marL="0">
+              <a:buNone/>
+            </a:pPr>
+            <a:r>
+              <a:rPr/>
+              <a:t>A basic Nix expression (2/6)</a:t>
+            </a:r>
+          </a:p>
+        </p:txBody>
+      </p:sp>
+      <p:sp>
+        <p:nvSpPr>
+          <p:cNvPr id="3" name="Content Placeholder 2"/>
+          <p:cNvSpPr>
+            <a:spLocks noGrp="1"/>
+          </p:cNvSpPr>
+          <p:nvPr>
+            <p:ph idx="1"/>
+          </p:nvPr>
+        </p:nvSpPr>
+        <p:spPr/>
+        <p:txBody>
+          <a:bodyPr/>
+          <a:lstStyle/>
+          <a:p>
+            <a:pPr lvl="0"/>
+            <a:r>
+              <a:rPr/>
+              <a:t>Written in the Nix language (not discussed)</a:t>
+            </a:r>
+          </a:p>
+          <a:p>
+            <a:pPr lvl="0"/>
+            <a:r>
+              <a:rPr/>
+              <a:t>Defines the repository to use (with a fixed revision)</a:t>
+            </a:r>
+          </a:p>
+          <a:p>
+            <a:pPr lvl="0"/>
+            <a:r>
+              <a:rPr/>
+              <a:t>Lists packages to install</a:t>
+            </a:r>
+          </a:p>
+          <a:p>
+            <a:pPr lvl="0"/>
+            <a:r>
+              <a:rPr/>
+              <a:t>Defines the output: a development shell</a:t>
+            </a:r>
+          </a:p>
+        </p:txBody>
+      </p:sp>
+    </p:spTree>
+  </p:cSld>
+</p:sld>
+</file>
+
 <file path=ppt/slides/slide25.xml><?xml version="1.0" encoding="utf-8"?>
 <p:sld xmlns:a="http://schemas.openxmlformats.org/drawingml/2006/main" xmlns:r="http://schemas.openxmlformats.org/officeDocument/2006/relationships" xmlns:p="http://schemas.openxmlformats.org/presentationml/2006/main">
   <p:cSld>
@@ -5028,7 +5000,7 @@
             </a:pPr>
             <a:r>
               <a:rPr/>
-              <a:t>The Nix package manager (2/2)</a:t>
+              <a:t>A basic Nix expression (3/6)</a:t>
             </a:r>
           </a:p>
         </p:txBody>
@@ -5051,36 +5023,58 @@
             <a:pPr lvl="0"/>
             <a:r>
               <a:rPr/>
-              <a:t>Reproducibility: R, R packages and other dependencies must be managed</a:t>
-            </a:r>
-          </a:p>
-          <a:p>
-            <a:pPr lvl="0"/>
-            <a:r>
-              <a:rPr/>
-              <a:t>Nix is a package manager actually focused on reproducible builds</a:t>
-            </a:r>
-          </a:p>
-          <a:p>
-            <a:pPr lvl="0"/>
-            <a:r>
-              <a:rPr/>
-              <a:t>Nix deals with everything, with one single text file (called a Nix expression)!</a:t>
-            </a:r>
-          </a:p>
-          <a:p>
-            <a:pPr lvl="0"/>
-            <a:r>
-              <a:rPr/>
-              <a:t>These Nix expressions </a:t>
-            </a:r>
-            <a:r>
-              <a:rPr i="1"/>
-              <a:t>always</a:t>
-            </a:r>
-            <a:r>
-              <a:rPr/>
-              <a:t> build the exact same output</a:t>
+              <a:t>Software for Nix is defined as a mono-repository of tens of thousands of expressions on Github</a:t>
+            </a:r>
+          </a:p>
+          <a:p>
+            <a:pPr lvl="0"/>
+            <a:r>
+              <a:rPr/>
+              <a:t>Github: we can use any commit to pin package versions for reproducibility!</a:t>
+            </a:r>
+          </a:p>
+          <a:p>
+            <a:pPr lvl="0"/>
+            <a:r>
+              <a:rPr/>
+              <a:t>For example, the following commit installs R 4.3.1 and associated packages:</a:t>
+            </a:r>
+          </a:p>
+          <a:p>
+            <a:pPr lvl="0" indent="0" marL="0">
+              <a:buNone/>
+            </a:pPr>
+            <a:r>
+              <a:rPr/>
+              <a:t>. . .</a:t>
+            </a:r>
+          </a:p>
+          <a:p>
+            <a:pPr lvl="0" indent="0">
+              <a:buNone/>
+            </a:pPr>
+            <a:r>
+              <a:rPr>
+                <a:latin typeface="Courier"/>
+              </a:rPr>
+              <a:t>pkgs = import (fetchTarball "https://github.com/NixOS/nixpkgs/archive/976fa3369d722e76f37c77493d99829540d43845.tar.gz") {};</a:t>
+            </a:r>
+          </a:p>
+          <a:p>
+            <a:pPr lvl="0"/>
+            <a:r>
+              <a:rPr/>
+              <a:t>Let’s take a look at the </a:t>
+            </a:r>
+            <a:r>
+              <a:rPr>
+                <a:hlinkClick r:id="rId2"/>
+              </a:rPr>
+              <a:t>repository</a:t>
+            </a:r>
+            <a:r>
+              <a:rPr/>
+              <a:t>…</a:t>
             </a:r>
           </a:p>
         </p:txBody>
@@ -5127,7 +5121,7 @@
             </a:pPr>
             <a:r>
               <a:rPr/>
-              <a:t>A basic Nix expression (1/6)</a:t>
+              <a:t>A basic Nix expression (4/6)</a:t>
             </a:r>
           </a:p>
         </p:txBody>
@@ -5147,6 +5141,35 @@
           <a:bodyPr/>
           <a:lstStyle/>
           <a:p>
+            <a:pPr lvl="0"/>
+            <a:r>
+              <a:rPr>
+                <a:latin typeface="Courier"/>
+              </a:rPr>
+              <a:t>system_packages</a:t>
+            </a:r>
+            <a:r>
+              <a:rPr/>
+              <a:t>: a variable that lists software to install</a:t>
+            </a:r>
+          </a:p>
+          <a:p>
+            <a:pPr lvl="0"/>
+            <a:r>
+              <a:rPr/>
+              <a:t>In this case, only R:</a:t>
+            </a:r>
+          </a:p>
+          <a:p>
+            <a:pPr lvl="0" indent="0" marL="0">
+              <a:buNone/>
+            </a:pPr>
+            <a:r>
+              <a:rPr/>
+              <a:t>. . .</a:t>
+            </a:r>
+          </a:p>
+          <a:p>
             <a:pPr lvl="0" indent="0">
               <a:buNone/>
             </a:pPr>
@@ -5154,25 +5177,9 @@
               <a:rPr>
                 <a:latin typeface="Courier"/>
               </a:rPr>
-              <a:t>let
-  pkgs = import (fetchTarball "https://github.com/NixOS/nixpkgs/archive/976fa3369d722e76f37c77493d99829540d43845.tar.gz") {};
-  system_packages = builtins.attrValues {
-    inherit (pkgs) R ;
-  };
-in
-  pkgs.mkShell {
-    buildInputs = [ system_packages ];
-    shellHook = "R --vanilla";
-  }</a:t>
-            </a:r>
-          </a:p>
-          <a:p>
-            <a:pPr lvl="0" indent="0" marL="0">
-              <a:buNone/>
-            </a:pPr>
-            <a:r>
-              <a:rPr/>
-              <a:t>There’s a lot to discuss here!</a:t>
+              <a:t>system_packages = builtins.attrValues {
+  inherit (pkgs) R ;
+};</a:t>
             </a:r>
           </a:p>
         </p:txBody>
@@ -5219,7 +5226,7 @@
             </a:pPr>
             <a:r>
               <a:rPr/>
-              <a:t>A basic Nix expression (2/6)</a:t>
+              <a:t>A basic Nix expression (5/6)</a:t>
             </a:r>
           </a:p>
         </p:txBody>
@@ -5242,28 +5249,93 @@
             <a:pPr lvl="0"/>
             <a:r>
               <a:rPr/>
-              <a:t>Written in the Nix language (not discussed)</a:t>
-            </a:r>
-          </a:p>
-          <a:p>
-            <a:pPr lvl="0"/>
-            <a:r>
-              <a:rPr/>
-              <a:t>Defines the repository to use (with a fixed revision)</a:t>
-            </a:r>
-          </a:p>
-          <a:p>
-            <a:pPr lvl="0"/>
-            <a:r>
-              <a:rPr/>
-              <a:t>Lists packages to install</a:t>
-            </a:r>
-          </a:p>
-          <a:p>
-            <a:pPr lvl="0"/>
-            <a:r>
-              <a:rPr/>
-              <a:t>Defines the output: a development shell</a:t>
+              <a:t>Finally, we define a shell:</a:t>
+            </a:r>
+          </a:p>
+          <a:p>
+            <a:pPr lvl="0" indent="0" marL="0">
+              <a:buNone/>
+            </a:pPr>
+            <a:r>
+              <a:rPr/>
+              <a:t>. . .</a:t>
+            </a:r>
+          </a:p>
+          <a:p>
+            <a:pPr lvl="0" indent="0">
+              <a:buNone/>
+            </a:pPr>
+            <a:r>
+              <a:rPr>
+                <a:latin typeface="Courier"/>
+              </a:rPr>
+              <a:t>pkgs.mkShell {
+  buildInputs = [ system_packages ];
+  shellHook = "R --vanilla";
+}</a:t>
+            </a:r>
+          </a:p>
+          <a:p>
+            <a:pPr lvl="0" indent="0" marL="0">
+              <a:buNone/>
+            </a:pPr>
+            <a:r>
+              <a:rPr/>
+              <a:t>. . .</a:t>
+            </a:r>
+          </a:p>
+          <a:p>
+            <a:pPr lvl="0"/>
+            <a:r>
+              <a:rPr/>
+              <a:t>This shell will come with the software defined in </a:t>
+            </a:r>
+            <a:r>
+              <a:rPr>
+                <a:latin typeface="Courier"/>
+              </a:rPr>
+              <a:t>system_packages</a:t>
+            </a:r>
+            <a:r>
+              <a:rPr/>
+              <a:t> (</a:t>
+            </a:r>
+            <a:r>
+              <a:rPr>
+                <a:latin typeface="Courier"/>
+              </a:rPr>
+              <a:t>buildInputs</a:t>
+            </a:r>
+            <a:r>
+              <a:rPr/>
+              <a:t>)</a:t>
+            </a:r>
+          </a:p>
+          <a:p>
+            <a:pPr lvl="0"/>
+            <a:r>
+              <a:rPr/>
+              <a:t>And launch </a:t>
+            </a:r>
+            <a:r>
+              <a:rPr>
+                <a:latin typeface="Courier"/>
+              </a:rPr>
+              <a:t>R --vanilla</a:t>
+            </a:r>
+            <a:r>
+              <a:rPr/>
+              <a:t> when started (</a:t>
+            </a:r>
+            <a:r>
+              <a:rPr>
+                <a:latin typeface="Courier"/>
+              </a:rPr>
+              <a:t>shellHook</a:t>
+            </a:r>
+            <a:r>
+              <a:rPr/>
+              <a:t>)</a:t>
             </a:r>
           </a:p>
         </p:txBody>
@@ -5310,7 +5382,7 @@
             </a:pPr>
             <a:r>
               <a:rPr/>
-              <a:t>A basic Nix expression (3/6)</a:t>
+              <a:t>A basic Nix expression (6/6)</a:t>
             </a:r>
           </a:p>
         </p:txBody>
@@ -5333,58 +5405,31 @@
             <a:pPr lvl="0"/>
             <a:r>
               <a:rPr/>
-              <a:t>Software for Nix is defined as a mono-repository of tens of thousands of expressions on Github</a:t>
-            </a:r>
-          </a:p>
-          <a:p>
-            <a:pPr lvl="0"/>
-            <a:r>
-              <a:rPr/>
-              <a:t>Github: we can use any commit to pin package versions for reproducibility!</a:t>
-            </a:r>
-          </a:p>
-          <a:p>
-            <a:pPr lvl="0"/>
-            <a:r>
-              <a:rPr/>
-              <a:t>For example, the following commit installs R 4.3.1 and associated packages:</a:t>
-            </a:r>
-          </a:p>
-          <a:p>
-            <a:pPr lvl="0" indent="0" marL="0">
-              <a:buNone/>
-            </a:pPr>
-            <a:r>
-              <a:rPr/>
-              <a:t>. . .</a:t>
-            </a:r>
-          </a:p>
-          <a:p>
-            <a:pPr lvl="0" indent="0">
-              <a:buNone/>
-            </a:pPr>
+              <a:t>Writing these expressions requires learning a new language</a:t>
+            </a:r>
+          </a:p>
+          <a:p>
+            <a:pPr lvl="0"/>
+            <a:r>
+              <a:rPr/>
+              <a:t>While incredibly powerful, if all we want are per-project reproducible dev shells…</a:t>
+            </a:r>
+          </a:p>
+          <a:p>
+            <a:pPr lvl="0"/>
+            <a:r>
+              <a:rPr/>
+              <a:t>…then </a:t>
+            </a:r>
             <a:r>
               <a:rPr>
                 <a:latin typeface="Courier"/>
               </a:rPr>
-              <a:t>pkgs = import (fetchTarball "https://github.com/NixOS/nixpkgs/archive/976fa3369d722e76f37c77493d99829540d43845.tar.gz") {};</a:t>
-            </a:r>
-          </a:p>
-          <a:p>
-            <a:pPr lvl="0"/>
-            <a:r>
-              <a:rPr/>
-              <a:t>Let’s take a look at the </a:t>
-            </a:r>
-            <a:r>
-              <a:rPr>
-                <a:hlinkClick r:id="rId2"/>
-              </a:rPr>
-              <a:t>repository</a:t>
-            </a:r>
-            <a:r>
-              <a:rPr/>
-              <a:t>…</a:t>
+              <a:t>{rix}</a:t>
+            </a:r>
+            <a:r>
+              <a:rPr/>
+              <a:t> will help!</a:t>
             </a:r>
           </a:p>
         </p:txBody>
@@ -5431,7 +5476,7 @@
             </a:pPr>
             <a:r>
               <a:rPr/>
-              <a:t>A basic Nix expression (4/6)</a:t>
+              <a:t>Nix expressions</a:t>
             </a:r>
           </a:p>
         </p:txBody>
@@ -5453,43 +5498,29 @@
           <a:p>
             <a:pPr lvl="0"/>
             <a:r>
-              <a:rPr>
-                <a:latin typeface="Courier"/>
-              </a:rPr>
-              <a:t>system_packages</a:t>
-            </a:r>
-            <a:r>
-              <a:rPr/>
-              <a:t>: a variable that lists software to install</a:t>
-            </a:r>
-          </a:p>
-          <a:p>
-            <a:pPr lvl="0"/>
-            <a:r>
-              <a:rPr/>
-              <a:t>In this case, only R:</a:t>
-            </a:r>
-          </a:p>
-          <a:p>
-            <a:pPr lvl="0" indent="0" marL="0">
-              <a:buNone/>
-            </a:pPr>
-            <a:r>
-              <a:rPr/>
-              <a:t>. . .</a:t>
-            </a:r>
-          </a:p>
-          <a:p>
-            <a:pPr lvl="0" indent="0">
-              <a:buNone/>
-            </a:pPr>
-            <a:r>
-              <a:rPr>
-                <a:latin typeface="Courier"/>
-              </a:rPr>
-              <a:t>system_packages = builtins.attrValues {
-  inherit (pkgs) R ;
-};</a:t>
+              <a:rPr/>
+              <a:t>Nix expressions can be used to install software</a:t>
+            </a:r>
+          </a:p>
+          <a:p>
+            <a:pPr lvl="0"/>
+            <a:r>
+              <a:rPr/>
+              <a:t>But we will use them to build per-project development shells</a:t>
+            </a:r>
+          </a:p>
+          <a:p>
+            <a:pPr lvl="0"/>
+            <a:r>
+              <a:rPr/>
+              <a:t>We will include R, LaTeX packages, or Quarto, Python, Julia….</a:t>
+            </a:r>
+          </a:p>
+          <a:p>
+            <a:pPr lvl="0"/>
+            <a:r>
+              <a:rPr/>
+              <a:t>Nix takes care of installing every dependency down to the compiler!</a:t>
             </a:r>
           </a:p>
         </p:txBody>
@@ -5559,29 +5590,18 @@
             <a:pPr lvl="0"/>
             <a:r>
               <a:rPr/>
-              <a:t>Identify </a:t>
+              <a:t>What I mean by </a:t>
             </a:r>
             <a:r>
               <a:rPr i="1"/>
-              <a:t>what</a:t>
-            </a:r>
-            <a:r>
-              <a:rPr/>
-              <a:t> must be managed for reproducibility</a:t>
-            </a:r>
-          </a:p>
-          <a:p>
-            <a:pPr lvl="0"/>
-            <a:r>
-              <a:rPr/>
-              <a:t>Learn about the following tools to turn your projects reproducible</a:t>
-            </a:r>
-          </a:p>
-          <a:p>
-            <a:pPr lvl="1"/>
-            <a:r>
-              <a:rPr/>
-              <a:t>{renv}, Docker and Nix</a:t>
+              <a:t>reproducibility</a:t>
+            </a:r>
+          </a:p>
+          <a:p>
+            <a:pPr lvl="0"/>
+            <a:r>
+              <a:rPr/>
+              <a:t>What is Nix, how it works and its complementary relationship to Docker</a:t>
             </a:r>
           </a:p>
           <a:p>
@@ -5603,7 +5623,13 @@
             <a:pPr lvl="1"/>
             <a:r>
               <a:rPr/>
-              <a:t>FP, Git, Documenting, testing and packaging code, build automation with {targets}</a:t>
+              <a:t>FP, Git, Documenting, testing and packaging code, build automation with </a:t>
+            </a:r>
+            <a:r>
+              <a:rPr>
+                <a:latin typeface="Courier"/>
+              </a:rPr>
+              <a:t>{targets}</a:t>
             </a:r>
           </a:p>
         </p:txBody>
@@ -5650,7 +5676,7 @@
             </a:pPr>
             <a:r>
               <a:rPr/>
-              <a:t>A basic Nix expression (5/6)</a:t>
+              <a:t>rix: reproducible development environments with Nix (1/5)</a:t>
             </a:r>
           </a:p>
         </p:txBody>
@@ -5672,8 +5698,41 @@
           <a:p>
             <a:pPr lvl="0"/>
             <a:r>
-              <a:rPr/>
-              <a:t>Finally, we define a shell:</a:t>
+              <a:rPr>
+                <a:latin typeface="Courier"/>
+              </a:rPr>
+              <a:t>{rix}</a:t>
+            </a:r>
+            <a:r>
+              <a:rPr/>
+              <a:t> (</a:t>
+            </a:r>
+            <a:r>
+              <a:rPr>
+                <a:hlinkClick r:id="rId2"/>
+              </a:rPr>
+              <a:t>website</a:t>
+            </a:r>
+            <a:r>
+              <a:rPr/>
+              <a:t>) makes writing Nix expression easy!</a:t>
+            </a:r>
+          </a:p>
+          <a:p>
+            <a:pPr lvl="0"/>
+            <a:r>
+              <a:rPr/>
+              <a:t>Simply use the provided </a:t>
+            </a:r>
+            <a:r>
+              <a:rPr>
+                <a:latin typeface="Courier"/>
+              </a:rPr>
+              <a:t>rix()</a:t>
+            </a:r>
+            <a:r>
+              <a:rPr/>
+              <a:t> function:</a:t>
             </a:r>
           </a:p>
           <a:p>
@@ -5691,74 +5750,363 @@
             </a:pPr>
             <a:r>
               <a:rPr>
+                <a:solidFill>
+                  <a:srgbClr val="4758AB"/>
+                </a:solidFill>
                 <a:latin typeface="Courier"/>
               </a:rPr>
-              <a:t>pkgs.mkShell {
-  buildInputs = [ system_packages ];
-  shellHook = "R --vanilla";
-}</a:t>
-            </a:r>
-          </a:p>
-          <a:p>
-            <a:pPr lvl="0" indent="0" marL="0">
-              <a:buNone/>
-            </a:pPr>
-            <a:r>
-              <a:rPr/>
-              <a:t>. . .</a:t>
-            </a:r>
-          </a:p>
-          <a:p>
-            <a:pPr lvl="0"/>
-            <a:r>
-              <a:rPr/>
-              <a:t>This shell will come with the software defined in </a:t>
-            </a:r>
-            <a:r>
-              <a:rPr>
+              <a:t>library</a:t>
+            </a:r>
+            <a:r>
+              <a:rPr>
+                <a:solidFill>
+                  <a:srgbClr val="003B4F"/>
+                </a:solidFill>
                 <a:latin typeface="Courier"/>
               </a:rPr>
-              <a:t>system_packages</a:t>
-            </a:r>
-            <a:r>
-              <a:rPr/>
-              <a:t> (</a:t>
-            </a:r>
-            <a:r>
-              <a:rPr>
+              <a:t>(rix)</a:t>
+            </a:r>
+            <a:br/>
+            <a:br/>
+            <a:r>
+              <a:rPr>
+                <a:solidFill>
+                  <a:srgbClr val="4758AB"/>
+                </a:solidFill>
                 <a:latin typeface="Courier"/>
               </a:rPr>
-              <a:t>buildInputs</a:t>
-            </a:r>
-            <a:r>
-              <a:rPr/>
+              <a:t>rix</a:t>
+            </a:r>
+            <a:r>
+              <a:rPr>
+                <a:solidFill>
+                  <a:srgbClr val="003B4F"/>
+                </a:solidFill>
+                <a:latin typeface="Courier"/>
+              </a:rPr>
+              <a:t>(</a:t>
+            </a:r>
+            <a:br/>
+            <a:r>
+              <a:rPr>
+                <a:solidFill>
+                  <a:srgbClr val="003B4F"/>
+                </a:solidFill>
+                <a:latin typeface="Courier"/>
+              </a:rPr>
+              <a:t>  </a:t>
+            </a:r>
+            <a:r>
+              <a:rPr>
+                <a:solidFill>
+                  <a:srgbClr val="657422"/>
+                </a:solidFill>
+                <a:latin typeface="Courier"/>
+              </a:rPr>
+              <a:t>date =</a:t>
+            </a:r>
+            <a:r>
+              <a:rPr>
+                <a:solidFill>
+                  <a:srgbClr val="003B4F"/>
+                </a:solidFill>
+                <a:latin typeface="Courier"/>
+              </a:rPr>
+              <a:t> </a:t>
+            </a:r>
+            <a:r>
+              <a:rPr>
+                <a:solidFill>
+                  <a:srgbClr val="20794D"/>
+                </a:solidFill>
+                <a:latin typeface="Courier"/>
+              </a:rPr>
+              <a:t>"2025-02-17"</a:t>
+            </a:r>
+            <a:r>
+              <a:rPr>
+                <a:solidFill>
+                  <a:srgbClr val="003B4F"/>
+                </a:solidFill>
+                <a:latin typeface="Courier"/>
+              </a:rPr>
+              <a:t>,</a:t>
+            </a:r>
+            <a:br/>
+            <a:r>
+              <a:rPr>
+                <a:solidFill>
+                  <a:srgbClr val="003B4F"/>
+                </a:solidFill>
+                <a:latin typeface="Courier"/>
+              </a:rPr>
+              <a:t>  </a:t>
+            </a:r>
+            <a:r>
+              <a:rPr>
+                <a:solidFill>
+                  <a:srgbClr val="657422"/>
+                </a:solidFill>
+                <a:latin typeface="Courier"/>
+              </a:rPr>
+              <a:t>r_pkgs =</a:t>
+            </a:r>
+            <a:r>
+              <a:rPr>
+                <a:solidFill>
+                  <a:srgbClr val="003B4F"/>
+                </a:solidFill>
+                <a:latin typeface="Courier"/>
+              </a:rPr>
+              <a:t> </a:t>
+            </a:r>
+            <a:r>
+              <a:rPr>
+                <a:solidFill>
+                  <a:srgbClr val="20794D"/>
+                </a:solidFill>
+                <a:latin typeface="Courier"/>
+              </a:rPr>
+              <a:t>"ggplot2"</a:t>
+            </a:r>
+            <a:r>
+              <a:rPr>
+                <a:solidFill>
+                  <a:srgbClr val="003B4F"/>
+                </a:solidFill>
+                <a:latin typeface="Courier"/>
+              </a:rPr>
+              <a:t>,</a:t>
+            </a:r>
+            <a:br/>
+            <a:r>
+              <a:rPr>
+                <a:solidFill>
+                  <a:srgbClr val="003B4F"/>
+                </a:solidFill>
+                <a:latin typeface="Courier"/>
+              </a:rPr>
+              <a:t>  </a:t>
+            </a:r>
+            <a:r>
+              <a:rPr>
+                <a:solidFill>
+                  <a:srgbClr val="657422"/>
+                </a:solidFill>
+                <a:latin typeface="Courier"/>
+              </a:rPr>
+              <a:t>py_conf =</a:t>
+            </a:r>
+            <a:r>
+              <a:rPr>
+                <a:solidFill>
+                  <a:srgbClr val="003B4F"/>
+                </a:solidFill>
+                <a:latin typeface="Courier"/>
+              </a:rPr>
+              <a:t> </a:t>
+            </a:r>
+            <a:r>
+              <a:rPr>
+                <a:solidFill>
+                  <a:srgbClr val="4758AB"/>
+                </a:solidFill>
+                <a:latin typeface="Courier"/>
+              </a:rPr>
+              <a:t>list</a:t>
+            </a:r>
+            <a:r>
+              <a:rPr>
+                <a:solidFill>
+                  <a:srgbClr val="003B4F"/>
+                </a:solidFill>
+                <a:latin typeface="Courier"/>
+              </a:rPr>
+              <a:t>(</a:t>
+            </a:r>
+            <a:br/>
+            <a:r>
+              <a:rPr>
+                <a:solidFill>
+                  <a:srgbClr val="003B4F"/>
+                </a:solidFill>
+                <a:latin typeface="Courier"/>
+              </a:rPr>
+              <a:t>    </a:t>
+            </a:r>
+            <a:r>
+              <a:rPr>
+                <a:solidFill>
+                  <a:srgbClr val="657422"/>
+                </a:solidFill>
+                <a:latin typeface="Courier"/>
+              </a:rPr>
+              <a:t>py_version =</a:t>
+            </a:r>
+            <a:r>
+              <a:rPr>
+                <a:solidFill>
+                  <a:srgbClr val="003B4F"/>
+                </a:solidFill>
+                <a:latin typeface="Courier"/>
+              </a:rPr>
+              <a:t> </a:t>
+            </a:r>
+            <a:r>
+              <a:rPr>
+                <a:solidFill>
+                  <a:srgbClr val="20794D"/>
+                </a:solidFill>
+                <a:latin typeface="Courier"/>
+              </a:rPr>
+              <a:t>"3.12"</a:t>
+            </a:r>
+            <a:r>
+              <a:rPr>
+                <a:solidFill>
+                  <a:srgbClr val="003B4F"/>
+                </a:solidFill>
+                <a:latin typeface="Courier"/>
+              </a:rPr>
+              <a:t>,</a:t>
+            </a:r>
+            <a:br/>
+            <a:r>
+              <a:rPr>
+                <a:solidFill>
+                  <a:srgbClr val="003B4F"/>
+                </a:solidFill>
+                <a:latin typeface="Courier"/>
+              </a:rPr>
+              <a:t>    </a:t>
+            </a:r>
+            <a:r>
+              <a:rPr>
+                <a:solidFill>
+                  <a:srgbClr val="657422"/>
+                </a:solidFill>
+                <a:latin typeface="Courier"/>
+              </a:rPr>
+              <a:t>py_pkgs =</a:t>
+            </a:r>
+            <a:r>
+              <a:rPr>
+                <a:solidFill>
+                  <a:srgbClr val="003B4F"/>
+                </a:solidFill>
+                <a:latin typeface="Courier"/>
+              </a:rPr>
+              <a:t> </a:t>
+            </a:r>
+            <a:r>
+              <a:rPr>
+                <a:solidFill>
+                  <a:srgbClr val="4758AB"/>
+                </a:solidFill>
+                <a:latin typeface="Courier"/>
+              </a:rPr>
+              <a:t>c</a:t>
+            </a:r>
+            <a:r>
+              <a:rPr>
+                <a:solidFill>
+                  <a:srgbClr val="003B4F"/>
+                </a:solidFill>
+                <a:latin typeface="Courier"/>
+              </a:rPr>
+              <a:t>(</a:t>
+            </a:r>
+            <a:r>
+              <a:rPr>
+                <a:solidFill>
+                  <a:srgbClr val="20794D"/>
+                </a:solidFill>
+                <a:latin typeface="Courier"/>
+              </a:rPr>
+              <a:t>"polars"</a:t>
+            </a:r>
+            <a:r>
+              <a:rPr>
+                <a:solidFill>
+                  <a:srgbClr val="003B4F"/>
+                </a:solidFill>
+                <a:latin typeface="Courier"/>
+              </a:rPr>
+              <a:t>, </a:t>
+            </a:r>
+            <a:r>
+              <a:rPr>
+                <a:solidFill>
+                  <a:srgbClr val="20794D"/>
+                </a:solidFill>
+                <a:latin typeface="Courier"/>
+              </a:rPr>
+              <a:t>"great-tables"</a:t>
+            </a:r>
+            <a:r>
+              <a:rPr>
+                <a:solidFill>
+                  <a:srgbClr val="003B4F"/>
+                </a:solidFill>
+                <a:latin typeface="Courier"/>
+              </a:rPr>
               <a:t>)</a:t>
             </a:r>
-          </a:p>
-          <a:p>
-            <a:pPr lvl="0"/>
-            <a:r>
-              <a:rPr/>
-              <a:t>And launch </a:t>
-            </a:r>
-            <a:r>
-              <a:rPr>
+            <a:br/>
+            <a:r>
+              <a:rPr>
+                <a:solidFill>
+                  <a:srgbClr val="003B4F"/>
+                </a:solidFill>
                 <a:latin typeface="Courier"/>
               </a:rPr>
-              <a:t>R --vanilla</a:t>
-            </a:r>
-            <a:r>
-              <a:rPr/>
-              <a:t> when started (</a:t>
-            </a:r>
-            <a:r>
-              <a:rPr>
+              <a:t>  ),</a:t>
+            </a:r>
+            <a:br/>
+            <a:r>
+              <a:rPr>
+                <a:solidFill>
+                  <a:srgbClr val="003B4F"/>
+                </a:solidFill>
                 <a:latin typeface="Courier"/>
               </a:rPr>
-              <a:t>shellHook</a:t>
-            </a:r>
-            <a:r>
-              <a:rPr/>
+              <a:t>  </a:t>
+            </a:r>
+            <a:r>
+              <a:rPr>
+                <a:solidFill>
+                  <a:srgbClr val="657422"/>
+                </a:solidFill>
+                <a:latin typeface="Courier"/>
+              </a:rPr>
+              <a:t>overwrite =</a:t>
+            </a:r>
+            <a:r>
+              <a:rPr>
+                <a:solidFill>
+                  <a:srgbClr val="003B4F"/>
+                </a:solidFill>
+                <a:latin typeface="Courier"/>
+              </a:rPr>
+              <a:t> </a:t>
+            </a:r>
+            <a:r>
+              <a:rPr>
+                <a:solidFill>
+                  <a:srgbClr val="8F5902"/>
+                </a:solidFill>
+                <a:latin typeface="Courier"/>
+              </a:rPr>
+              <a:t>TRUE</a:t>
+            </a:r>
+            <a:br/>
+            <a:r>
+              <a:rPr>
+                <a:solidFill>
+                  <a:srgbClr val="003B4F"/>
+                </a:solidFill>
+                <a:latin typeface="Courier"/>
+              </a:rPr>
               <a:t>)</a:t>
             </a:r>
           </a:p>
@@ -5806,7 +6154,7 @@
             </a:pPr>
             <a:r>
               <a:rPr/>
-              <a:t>A basic Nix expression (6/6)</a:t>
+              <a:t>rix: reproducible development environments with Nix (2/5)</a:t>
             </a:r>
           </a:p>
         </p:txBody>
@@ -5828,32 +6176,40 @@
           <a:p>
             <a:pPr lvl="0"/>
             <a:r>
-              <a:rPr/>
-              <a:t>Writing these expressions requires learning a new language</a:t>
-            </a:r>
-          </a:p>
-          <a:p>
-            <a:pPr lvl="0"/>
-            <a:r>
-              <a:rPr/>
-              <a:t>While incredibly powerful, if all we want are per-project reproducible dev shells…</a:t>
-            </a:r>
-          </a:p>
-          <a:p>
-            <a:pPr lvl="0"/>
-            <a:r>
-              <a:rPr/>
-              <a:t>…then </a:t>
-            </a:r>
-            <a:r>
               <a:rPr>
                 <a:latin typeface="Courier"/>
               </a:rPr>
-              <a:t>{rix}</a:t>
-            </a:r>
-            <a:r>
-              <a:rPr/>
-              <a:t> will help!</a:t>
+              <a:t>renv.lock</a:t>
+            </a:r>
+            <a:r>
+              <a:rPr/>
+              <a:t> files can also be used as starting points:</a:t>
+            </a:r>
+          </a:p>
+          <a:p>
+            <a:pPr lvl="0" indent="0" marL="0">
+              <a:buNone/>
+            </a:pPr>
+            <a:r>
+              <a:rPr/>
+              <a:t>. . .</a:t>
+            </a:r>
+          </a:p>
+          <a:p>
+            <a:pPr lvl="0" indent="0">
+              <a:buNone/>
+            </a:pPr>
+            <a:r>
+              <a:rPr>
+                <a:latin typeface="Courier"/>
+              </a:rPr>
+              <a:t>library(rix)
+renv2nix(
+  renv_lock_path = "path/to/original/renv_project/renv.lock",
+  project_path = "path/to/rix_project",
+  override_r_ver = "4.4.1" # &lt;- optional
+)
+</a:t>
             </a:r>
           </a:p>
         </p:txBody>
@@ -5900,7 +6256,7 @@
             </a:pPr>
             <a:r>
               <a:rPr/>
-              <a:t>Nix expressions</a:t>
+              <a:t>rix: reproducible development environments with Nix (3/5)</a:t>
             </a:r>
           </a:p>
         </p:txBody>
@@ -5923,28 +6279,28 @@
             <a:pPr lvl="0"/>
             <a:r>
               <a:rPr/>
-              <a:t>Nix expressions can be used to install software</a:t>
-            </a:r>
-          </a:p>
-          <a:p>
-            <a:pPr lvl="0"/>
-            <a:r>
-              <a:rPr/>
-              <a:t>But we will use them to build per-project development shells</a:t>
-            </a:r>
-          </a:p>
-          <a:p>
-            <a:pPr lvl="0"/>
-            <a:r>
-              <a:rPr/>
-              <a:t>We will include R, LaTeX packages, or Quarto, Python, Julia….</a:t>
-            </a:r>
-          </a:p>
-          <a:p>
-            <a:pPr lvl="0"/>
-            <a:r>
-              <a:rPr/>
-              <a:t>Nix takes care of installing every dependency down to the compiler!</a:t>
+              <a:t>List required R version and packages</a:t>
+            </a:r>
+          </a:p>
+          <a:p>
+            <a:pPr lvl="0"/>
+            <a:r>
+              <a:rPr/>
+              <a:t>Optionally: more system packages, packages hosted on Github, or LaTeX packages</a:t>
+            </a:r>
+          </a:p>
+          <a:p>
+            <a:pPr lvl="0"/>
+            <a:r>
+              <a:rPr/>
+              <a:t>Optionally: an IDE (Rstudio, Radian, VS Code or “other”)</a:t>
+            </a:r>
+          </a:p>
+          <a:p>
+            <a:pPr lvl="0"/>
+            <a:r>
+              <a:rPr/>
+              <a:t>Work interactively in an isolated, project-specific and reproducible environment!</a:t>
             </a:r>
           </a:p>
         </p:txBody>
@@ -5991,7 +6347,7 @@
             </a:pPr>
             <a:r>
               <a:rPr/>
-              <a:t>CRAN and Bioconductor</a:t>
+              <a:t>rix: reproducible development environments with Nix (4/5)</a:t>
             </a:r>
           </a:p>
         </p:txBody>
@@ -6014,61 +6370,27 @@
             <a:pPr lvl="0"/>
             <a:r>
               <a:rPr/>
-              <a:t>CRAN is the repository of R packages to extend the language</a:t>
-            </a:r>
-          </a:p>
-          <a:p>
-            <a:pPr lvl="0"/>
-            <a:r>
-              <a:rPr/>
-              <a:t>As of writing, +20000 packages available</a:t>
-            </a:r>
-          </a:p>
-          <a:p>
-            <a:pPr lvl="0"/>
-            <a:r>
-              <a:rPr/>
-              <a:t>Biocondcutor: repository with a focus on Bioinformatics: +2000 more packages</a:t>
-            </a:r>
-          </a:p>
-          <a:p>
-            <a:pPr lvl="0"/>
-            <a:r>
-              <a:rPr/>
-              <a:t>Almost all available through </a:t>
+              <a:t>Time for a demonstration, see </a:t>
             </a:r>
             <a:r>
               <a:rPr>
                 <a:latin typeface="Courier"/>
               </a:rPr>
-              <a:t>nixpkgs</a:t>
-            </a:r>
-            <a:r>
-              <a:rPr/>
-              <a:t> in the </a:t>
-            </a:r>
-            <a:r>
-              <a:rPr>
-                <a:latin typeface="Courier"/>
-              </a:rPr>
-              <a:t>rPackages</a:t>
-            </a:r>
-            <a:r>
-              <a:rPr/>
-              <a:t> set!</a:t>
-            </a:r>
-          </a:p>
-          <a:p>
-            <a:pPr lvl="0"/>
-            <a:r>
-              <a:rPr/>
-              <a:t>Find packages </a:t>
-            </a:r>
-            <a:r>
-              <a:rPr>
-                <a:hlinkClick r:id="rId2"/>
-              </a:rPr>
-              <a:t>here</a:t>
+              <a:t>scripts/nix_expressions/docker/</a:t>
+            </a:r>
+          </a:p>
+          <a:p>
+            <a:pPr lvl="0"/>
+            <a:r>
+              <a:rPr/>
+              <a:t>First outside of Docker</a:t>
+            </a:r>
+          </a:p>
+          <a:p>
+            <a:pPr lvl="0"/>
+            <a:r>
+              <a:rPr/>
+              <a:t>Then we dockerize</a:t>
             </a:r>
           </a:p>
         </p:txBody>
@@ -6115,7 +6437,7 @@
             </a:pPr>
             <a:r>
               <a:rPr/>
-              <a:t>rix: reproducible development environments with Nix (1/5)</a:t>
+              <a:t>rix: reproducible development environments with Nix (5/5)</a:t>
             </a:r>
           </a:p>
         </p:txBody>
@@ -6137,460 +6459,62 @@
           <a:p>
             <a:pPr lvl="0"/>
             <a:r>
+              <a:rPr/>
+              <a:t>Can install specific versions of packages (write </a:t>
+            </a:r>
+            <a:r>
               <a:rPr>
                 <a:latin typeface="Courier"/>
               </a:rPr>
-              <a:t>{rix}</a:t>
-            </a:r>
-            <a:r>
-              <a:rPr/>
-              <a:t> (</a:t>
+              <a:t>"dplyr@1.0.0"</a:t>
+            </a:r>
+            <a:r>
+              <a:rPr/>
+              <a:t>)</a:t>
+            </a:r>
+          </a:p>
+          <a:p>
+            <a:pPr lvl="0"/>
+            <a:r>
+              <a:rPr/>
+              <a:t>Can install packages hosted on Github</a:t>
+            </a:r>
+          </a:p>
+          <a:p>
+            <a:pPr lvl="0"/>
+            <a:r>
+              <a:rPr/>
+              <a:t>Many vignettes to get you started! </a:t>
             </a:r>
             <a:r>
               <a:rPr>
                 <a:hlinkClick r:id="rId2"/>
               </a:rPr>
-              <a:t>website</a:t>
-            </a:r>
-            <a:r>
-              <a:rPr/>
-              <a:t>) makes writing Nix expression easy!</a:t>
-            </a:r>
-          </a:p>
-          <a:p>
-            <a:pPr lvl="0"/>
-            <a:r>
-              <a:rPr/>
-              <a:t>Simply use the provided </a:t>
+              <a:t>See here</a:t>
+            </a:r>
+          </a:p>
+          <a:p>
+            <a:pPr lvl="0" indent="0" marL="0">
+              <a:buNone/>
+            </a:pPr>
+            <a:r>
+              <a:rPr/>
+              <a:t>. . .</a:t>
+            </a:r>
+          </a:p>
+          <a:p>
+            <a:pPr lvl="0" indent="0" marL="0">
+              <a:buNone/>
+            </a:pPr>
+            <a:r>
+              <a:rPr/>
+              <a:t>Let’s check out </a:t>
             </a:r>
             <a:r>
               <a:rPr>
                 <a:latin typeface="Courier"/>
               </a:rPr>
-              <a:t>rix()</a:t>
-            </a:r>
-            <a:r>
-              <a:rPr/>
-              <a:t> function:</a:t>
-            </a:r>
-          </a:p>
-          <a:p>
-            <a:pPr lvl="0" indent="0" marL="0">
-              <a:buNone/>
-            </a:pPr>
-            <a:r>
-              <a:rPr/>
-              <a:t>. . .</a:t>
-            </a:r>
-          </a:p>
-          <a:p>
-            <a:pPr lvl="0" indent="0">
-              <a:buNone/>
-            </a:pPr>
-            <a:r>
-              <a:rPr>
-                <a:solidFill>
-                  <a:srgbClr val="4758AB"/>
-                </a:solidFill>
-                <a:latin typeface="Courier"/>
-              </a:rPr>
-              <a:t>library</a:t>
-            </a:r>
-            <a:r>
-              <a:rPr>
-                <a:solidFill>
-                  <a:srgbClr val="003B4F"/>
-                </a:solidFill>
-                <a:latin typeface="Courier"/>
-              </a:rPr>
-              <a:t>(rix)</a:t>
-            </a:r>
-            <a:br/>
-            <a:br/>
-            <a:r>
-              <a:rPr>
-                <a:solidFill>
-                  <a:srgbClr val="4758AB"/>
-                </a:solidFill>
-                <a:latin typeface="Courier"/>
-              </a:rPr>
-              <a:t>rix</a:t>
-            </a:r>
-            <a:r>
-              <a:rPr>
-                <a:solidFill>
-                  <a:srgbClr val="003B4F"/>
-                </a:solidFill>
-                <a:latin typeface="Courier"/>
-              </a:rPr>
-              <a:t>(</a:t>
-            </a:r>
-            <a:r>
-              <a:rPr>
-                <a:solidFill>
-                  <a:srgbClr val="657422"/>
-                </a:solidFill>
-                <a:latin typeface="Courier"/>
-              </a:rPr>
-              <a:t>r_ver =</a:t>
-            </a:r>
-            <a:r>
-              <a:rPr>
-                <a:solidFill>
-                  <a:srgbClr val="003B4F"/>
-                </a:solidFill>
-                <a:latin typeface="Courier"/>
-              </a:rPr>
-              <a:t> </a:t>
-            </a:r>
-            <a:r>
-              <a:rPr>
-                <a:solidFill>
-                  <a:srgbClr val="20794D"/>
-                </a:solidFill>
-                <a:latin typeface="Courier"/>
-              </a:rPr>
-              <a:t>"4.3.1"</a:t>
-            </a:r>
-            <a:r>
-              <a:rPr>
-                <a:solidFill>
-                  <a:srgbClr val="003B4F"/>
-                </a:solidFill>
-                <a:latin typeface="Courier"/>
-              </a:rPr>
-              <a:t>,</a:t>
-            </a:r>
-            <a:br/>
-            <a:r>
-              <a:rPr>
-                <a:solidFill>
-                  <a:srgbClr val="003B4F"/>
-                </a:solidFill>
-                <a:latin typeface="Courier"/>
-              </a:rPr>
-              <a:t>    </a:t>
-            </a:r>
-            <a:r>
-              <a:rPr>
-                <a:solidFill>
-                  <a:srgbClr val="5E5E5E"/>
-                </a:solidFill>
-                <a:latin typeface="Courier"/>
-              </a:rPr>
-              <a:t>#date = "2025-01-27", &lt;- a date also works</a:t>
-            </a:r>
-            <a:br/>
-            <a:r>
-              <a:rPr>
-                <a:solidFill>
-                  <a:srgbClr val="003B4F"/>
-                </a:solidFill>
-                <a:latin typeface="Courier"/>
-              </a:rPr>
-              <a:t>    </a:t>
-            </a:r>
-            <a:r>
-              <a:rPr>
-                <a:solidFill>
-                  <a:srgbClr val="657422"/>
-                </a:solidFill>
-                <a:latin typeface="Courier"/>
-              </a:rPr>
-              <a:t>r_pkgs =</a:t>
-            </a:r>
-            <a:r>
-              <a:rPr>
-                <a:solidFill>
-                  <a:srgbClr val="003B4F"/>
-                </a:solidFill>
-                <a:latin typeface="Courier"/>
-              </a:rPr>
-              <a:t> </a:t>
-            </a:r>
-            <a:r>
-              <a:rPr>
-                <a:solidFill>
-                  <a:srgbClr val="4758AB"/>
-                </a:solidFill>
-                <a:latin typeface="Courier"/>
-              </a:rPr>
-              <a:t>c</a:t>
-            </a:r>
-            <a:r>
-              <a:rPr>
-                <a:solidFill>
-                  <a:srgbClr val="003B4F"/>
-                </a:solidFill>
-                <a:latin typeface="Courier"/>
-              </a:rPr>
-              <a:t>(</a:t>
-            </a:r>
-            <a:r>
-              <a:rPr>
-                <a:solidFill>
-                  <a:srgbClr val="20794D"/>
-                </a:solidFill>
-                <a:latin typeface="Courier"/>
-              </a:rPr>
-              <a:t>"dplyr"</a:t>
-            </a:r>
-            <a:r>
-              <a:rPr>
-                <a:solidFill>
-                  <a:srgbClr val="003B4F"/>
-                </a:solidFill>
-                <a:latin typeface="Courier"/>
-              </a:rPr>
-              <a:t>, </a:t>
-            </a:r>
-            <a:r>
-              <a:rPr>
-                <a:solidFill>
-                  <a:srgbClr val="20794D"/>
-                </a:solidFill>
-                <a:latin typeface="Courier"/>
-              </a:rPr>
-              <a:t>"ggplot2"</a:t>
-            </a:r>
-            <a:r>
-              <a:rPr>
-                <a:solidFill>
-                  <a:srgbClr val="003B4F"/>
-                </a:solidFill>
-                <a:latin typeface="Courier"/>
-              </a:rPr>
-              <a:t>),</a:t>
-            </a:r>
-            <a:br/>
-            <a:r>
-              <a:rPr>
-                <a:solidFill>
-                  <a:srgbClr val="003B4F"/>
-                </a:solidFill>
-                <a:latin typeface="Courier"/>
-              </a:rPr>
-              <a:t>    </a:t>
-            </a:r>
-            <a:r>
-              <a:rPr>
-                <a:solidFill>
-                  <a:srgbClr val="657422"/>
-                </a:solidFill>
-                <a:latin typeface="Courier"/>
-              </a:rPr>
-              <a:t>system_pkgs =</a:t>
-            </a:r>
-            <a:r>
-              <a:rPr>
-                <a:solidFill>
-                  <a:srgbClr val="003B4F"/>
-                </a:solidFill>
-                <a:latin typeface="Courier"/>
-              </a:rPr>
-              <a:t> </a:t>
-            </a:r>
-            <a:r>
-              <a:rPr>
-                <a:solidFill>
-                  <a:srgbClr val="8F5902"/>
-                </a:solidFill>
-                <a:latin typeface="Courier"/>
-              </a:rPr>
-              <a:t>NULL</a:t>
-            </a:r>
-            <a:r>
-              <a:rPr>
-                <a:solidFill>
-                  <a:srgbClr val="003B4F"/>
-                </a:solidFill>
-                <a:latin typeface="Courier"/>
-              </a:rPr>
-              <a:t>,</a:t>
-            </a:r>
-            <a:br/>
-            <a:r>
-              <a:rPr>
-                <a:solidFill>
-                  <a:srgbClr val="003B4F"/>
-                </a:solidFill>
-                <a:latin typeface="Courier"/>
-              </a:rPr>
-              <a:t>    </a:t>
-            </a:r>
-            <a:r>
-              <a:rPr>
-                <a:solidFill>
-                  <a:srgbClr val="657422"/>
-                </a:solidFill>
-                <a:latin typeface="Courier"/>
-              </a:rPr>
-              <a:t>git_pkgs =</a:t>
-            </a:r>
-            <a:r>
-              <a:rPr>
-                <a:solidFill>
-                  <a:srgbClr val="003B4F"/>
-                </a:solidFill>
-                <a:latin typeface="Courier"/>
-              </a:rPr>
-              <a:t> </a:t>
-            </a:r>
-            <a:r>
-              <a:rPr>
-                <a:solidFill>
-                  <a:srgbClr val="8F5902"/>
-                </a:solidFill>
-                <a:latin typeface="Courier"/>
-              </a:rPr>
-              <a:t>NULL</a:t>
-            </a:r>
-            <a:r>
-              <a:rPr>
-                <a:solidFill>
-                  <a:srgbClr val="003B4F"/>
-                </a:solidFill>
-                <a:latin typeface="Courier"/>
-              </a:rPr>
-              <a:t>,</a:t>
-            </a:r>
-            <a:br/>
-            <a:r>
-              <a:rPr>
-                <a:solidFill>
-                  <a:srgbClr val="003B4F"/>
-                </a:solidFill>
-                <a:latin typeface="Courier"/>
-              </a:rPr>
-              <a:t>    </a:t>
-            </a:r>
-            <a:r>
-              <a:rPr>
-                <a:solidFill>
-                  <a:srgbClr val="657422"/>
-                </a:solidFill>
-                <a:latin typeface="Courier"/>
-              </a:rPr>
-              <a:t>tex_pkgs =</a:t>
-            </a:r>
-            <a:r>
-              <a:rPr>
-                <a:solidFill>
-                  <a:srgbClr val="003B4F"/>
-                </a:solidFill>
-                <a:latin typeface="Courier"/>
-              </a:rPr>
-              <a:t> </a:t>
-            </a:r>
-            <a:r>
-              <a:rPr>
-                <a:solidFill>
-                  <a:srgbClr val="8F5902"/>
-                </a:solidFill>
-                <a:latin typeface="Courier"/>
-              </a:rPr>
-              <a:t>NULL</a:t>
-            </a:r>
-            <a:r>
-              <a:rPr>
-                <a:solidFill>
-                  <a:srgbClr val="003B4F"/>
-                </a:solidFill>
-                <a:latin typeface="Courier"/>
-              </a:rPr>
-              <a:t>,</a:t>
-            </a:r>
-            <a:br/>
-            <a:r>
-              <a:rPr>
-                <a:solidFill>
-                  <a:srgbClr val="003B4F"/>
-                </a:solidFill>
-                <a:latin typeface="Courier"/>
-              </a:rPr>
-              <a:t>    </a:t>
-            </a:r>
-            <a:r>
-              <a:rPr>
-                <a:solidFill>
-                  <a:srgbClr val="657422"/>
-                </a:solidFill>
-                <a:latin typeface="Courier"/>
-              </a:rPr>
-              <a:t>ide =</a:t>
-            </a:r>
-            <a:r>
-              <a:rPr>
-                <a:solidFill>
-                  <a:srgbClr val="003B4F"/>
-                </a:solidFill>
-                <a:latin typeface="Courier"/>
-              </a:rPr>
-              <a:t> </a:t>
-            </a:r>
-            <a:r>
-              <a:rPr>
-                <a:solidFill>
-                  <a:srgbClr val="20794D"/>
-                </a:solidFill>
-                <a:latin typeface="Courier"/>
-              </a:rPr>
-              <a:t>"code"</a:t>
-            </a:r>
-            <a:r>
-              <a:rPr>
-                <a:solidFill>
-                  <a:srgbClr val="003B4F"/>
-                </a:solidFill>
-                <a:latin typeface="Courier"/>
-              </a:rPr>
-              <a:t>,</a:t>
-            </a:r>
-            <a:br/>
-            <a:r>
-              <a:rPr>
-                <a:solidFill>
-                  <a:srgbClr val="003B4F"/>
-                </a:solidFill>
-                <a:latin typeface="Courier"/>
-              </a:rPr>
-              <a:t>    </a:t>
-            </a:r>
-            <a:r>
-              <a:rPr>
-                <a:solidFill>
-                  <a:srgbClr val="657422"/>
-                </a:solidFill>
-                <a:latin typeface="Courier"/>
-              </a:rPr>
-              <a:t>project_path =</a:t>
-            </a:r>
-            <a:r>
-              <a:rPr>
-                <a:solidFill>
-                  <a:srgbClr val="003B4F"/>
-                </a:solidFill>
-                <a:latin typeface="Courier"/>
-              </a:rPr>
-              <a:t> </a:t>
-            </a:r>
-            <a:r>
-              <a:rPr>
-                <a:solidFill>
-                  <a:srgbClr val="20794D"/>
-                </a:solidFill>
-                <a:latin typeface="Courier"/>
-              </a:rPr>
-              <a:t>"."</a:t>
-            </a:r>
-            <a:r>
-              <a:rPr>
-                <a:solidFill>
-                  <a:srgbClr val="003B4F"/>
-                </a:solidFill>
-                <a:latin typeface="Courier"/>
-              </a:rPr>
-              <a:t>)</a:t>
+              <a:t>scripts/nix_expressions/rix_intro/</a:t>
             </a:r>
           </a:p>
         </p:txBody>
@@ -6637,7 +6561,7 @@
             </a:pPr>
             <a:r>
               <a:rPr/>
-              <a:t>rix: reproducible development environments with Nix (2/5)</a:t>
+              <a:t>Non-interactive use</a:t>
             </a:r>
           </a:p>
         </p:txBody>
@@ -6662,11 +6586,48 @@
               <a:rPr>
                 <a:latin typeface="Courier"/>
               </a:rPr>
-              <a:t>renv.lock</a:t>
-            </a:r>
-            <a:r>
-              <a:rPr/>
-              <a:t> files can also be used as starting points:</a:t>
+              <a:t>{rix}</a:t>
+            </a:r>
+            <a:r>
+              <a:rPr/>
+              <a:t> makes it easy to run pipelines in the right environment</a:t>
+            </a:r>
+          </a:p>
+          <a:p>
+            <a:pPr lvl="0"/>
+            <a:r>
+              <a:rPr/>
+              <a:t>(Little side note: the best tool to build pipelines in R is </a:t>
+            </a:r>
+            <a:r>
+              <a:rPr>
+                <a:latin typeface="Courier"/>
+              </a:rPr>
+              <a:t>{targets}</a:t>
+            </a:r>
+            <a:r>
+              <a:rPr/>
+              <a:t>)</a:t>
+            </a:r>
+          </a:p>
+          <a:p>
+            <a:pPr lvl="0"/>
+            <a:r>
+              <a:rPr/>
+              <a:t>See </a:t>
+            </a:r>
+            <a:r>
+              <a:rPr>
+                <a:latin typeface="Courier"/>
+              </a:rPr>
+              <a:t>scripts/nix_expressions/nix_targets_pipeline</a:t>
+            </a:r>
+          </a:p>
+          <a:p>
+            <a:pPr lvl="0"/>
+            <a:r>
+              <a:rPr/>
+              <a:t>Can also run the pipeline like so:</a:t>
             </a:r>
           </a:p>
           <a:p>
@@ -6686,13 +6647,7 @@
               <a:rPr>
                 <a:latin typeface="Courier"/>
               </a:rPr>
-              <a:t>library(rix)
-renv2nix(
-  renv_lock_path = "path/to/original/renv_project/renv.lock",
-  project_path = "path/to/rix_project",
-  override_r_ver = "4.4.1" # &lt;- optional
-)
-</a:t>
+              <a:t>cd /absolute/path/to/pipeline/ &amp;&amp; nix-shell default.nix --run "Rscript -e 'targets::tar_make()'"</a:t>
             </a:r>
           </a:p>
         </p:txBody>
@@ -6739,7 +6694,7 @@
             </a:pPr>
             <a:r>
               <a:rPr/>
-              <a:t>rix: reproducible development environments with Nix (3/5)</a:t>
+              <a:t>Nix and Github Actions: running pipelines</a:t>
             </a:r>
           </a:p>
         </p:txBody>
@@ -6762,28 +6717,58 @@
             <a:pPr lvl="0"/>
             <a:r>
               <a:rPr/>
-              <a:t>List required R version and packages</a:t>
-            </a:r>
-          </a:p>
-          <a:p>
-            <a:pPr lvl="0"/>
-            <a:r>
-              <a:rPr/>
-              <a:t>Optionally: more system packages, packages hosted on Github, or LaTeX packages</a:t>
-            </a:r>
-          </a:p>
-          <a:p>
-            <a:pPr lvl="0"/>
-            <a:r>
-              <a:rPr/>
-              <a:t>Optionally: an IDE (Rstudio, Radian, VS Code or “other”)</a:t>
-            </a:r>
-          </a:p>
-          <a:p>
-            <a:pPr lvl="0"/>
-            <a:r>
-              <a:rPr/>
-              <a:t>Work interactively in an isolated, project-specific and reproducible environment!</a:t>
+              <a:t>Possible to easily run a </a:t>
+            </a:r>
+            <a:r>
+              <a:rPr>
+                <a:latin typeface="Courier"/>
+              </a:rPr>
+              <a:t>{targets}</a:t>
+            </a:r>
+            <a:r>
+              <a:rPr/>
+              <a:t> pipeline on Github actions</a:t>
+            </a:r>
+          </a:p>
+          <a:p>
+            <a:pPr lvl="0"/>
+            <a:r>
+              <a:rPr/>
+              <a:t>Simply run </a:t>
+            </a:r>
+            <a:r>
+              <a:rPr>
+                <a:latin typeface="Courier"/>
+              </a:rPr>
+              <a:t>rix::tar_nix_ga()</a:t>
+            </a:r>
+            <a:r>
+              <a:rPr/>
+              <a:t> to generate the required files</a:t>
+            </a:r>
+          </a:p>
+          <a:p>
+            <a:pPr lvl="0"/>
+            <a:r>
+              <a:rPr/>
+              <a:t>Commit and push, and watch the actions run!</a:t>
+            </a:r>
+          </a:p>
+          <a:p>
+            <a:pPr lvl="0"/>
+            <a:r>
+              <a:rPr/>
+              <a:t>See </a:t>
+            </a:r>
+            <a:r>
+              <a:rPr>
+                <a:hlinkClick r:id="rId2"/>
+              </a:rPr>
+              <a:t>here</a:t>
+            </a:r>
+            <a:r>
+              <a:rPr/>
+              <a:t>.</a:t>
             </a:r>
           </a:p>
         </p:txBody>
@@ -6830,7 +6815,7 @@
             </a:pPr>
             <a:r>
               <a:rPr/>
-              <a:t>rix: reproducible development environments with Nix (4/5)</a:t>
+              <a:t>Nix and Github Actions: writing papers</a:t>
             </a:r>
           </a:p>
         </p:txBody>
@@ -6852,71 +6837,28 @@
           <a:p>
             <a:pPr lvl="0"/>
             <a:r>
-              <a:rPr>
-                <a:latin typeface="Courier"/>
-              </a:rPr>
-              <a:t>rix::rix()</a:t>
-            </a:r>
-            <a:r>
-              <a:rPr/>
-              <a:t> generates a </a:t>
-            </a:r>
-            <a:r>
-              <a:rPr>
-                <a:latin typeface="Courier"/>
-              </a:rPr>
-              <a:t>default.nix</a:t>
-            </a:r>
-            <a:r>
-              <a:rPr/>
-              <a:t> file</a:t>
-            </a:r>
-          </a:p>
-          <a:p>
-            <a:pPr lvl="0"/>
-            <a:r>
-              <a:rPr/>
-              <a:t>Build expressions using </a:t>
-            </a:r>
-            <a:r>
-              <a:rPr>
-                <a:latin typeface="Courier"/>
-              </a:rPr>
-              <a:t>nix-build</a:t>
-            </a:r>
-            <a:r>
-              <a:rPr/>
-              <a:t> (in terminal) or </a:t>
-            </a:r>
-            <a:r>
-              <a:rPr>
-                <a:latin typeface="Courier"/>
-              </a:rPr>
-              <a:t>rix::nix_build()</a:t>
-            </a:r>
-            <a:r>
-              <a:rPr/>
-              <a:t> from R</a:t>
-            </a:r>
-          </a:p>
-          <a:p>
-            <a:pPr lvl="0"/>
-            <a:r>
-              <a:rPr/>
-              <a:t>“Drop” into the development environment using </a:t>
-            </a:r>
-            <a:r>
-              <a:rPr>
-                <a:latin typeface="Courier"/>
-              </a:rPr>
-              <a:t>nix-shell</a:t>
-            </a:r>
-          </a:p>
-          <a:p>
-            <a:pPr lvl="0"/>
-            <a:r>
-              <a:rPr/>
-              <a:t>Expressions can be generated even without Nix installed</a:t>
+              <a:rPr/>
+              <a:t>Easy collaboration on papers as well</a:t>
+            </a:r>
+          </a:p>
+          <a:p>
+            <a:pPr lvl="0"/>
+            <a:r>
+              <a:rPr/>
+              <a:t>See </a:t>
+            </a:r>
+            <a:r>
+              <a:rPr>
+                <a:hlinkClick r:id="rId2"/>
+              </a:rPr>
+              <a:t>here</a:t>
+            </a:r>
+          </a:p>
+          <a:p>
+            <a:pPr lvl="0"/>
+            <a:r>
+              <a:rPr/>
+              <a:t>Just focus on writing!</a:t>
             </a:r>
           </a:p>
         </p:txBody>
@@ -6963,7 +6905,7 @@
             </a:pPr>
             <a:r>
               <a:rPr/>
-              <a:t>rix: reproducible development environments with Nix (5/5)</a:t>
+              <a:t>Conclusion</a:t>
             </a:r>
           </a:p>
         </p:txBody>
@@ -6986,61 +6928,55 @@
             <a:pPr lvl="0"/>
             <a:r>
               <a:rPr/>
-              <a:t>Can install specific versions of packages (write </a:t>
+              <a:t>Very vast and complex topic!</a:t>
+            </a:r>
+          </a:p>
+          <a:p>
+            <a:pPr lvl="0"/>
+            <a:r>
+              <a:rPr/>
+              <a:t>At the very least, generate an </a:t>
             </a:r>
             <a:r>
               <a:rPr>
                 <a:latin typeface="Courier"/>
               </a:rPr>
-              <a:t>"dplyr@1.0.0"</a:t>
-            </a:r>
-            <a:r>
-              <a:rPr/>
-              <a:t>)</a:t>
-            </a:r>
-          </a:p>
-          <a:p>
-            <a:pPr lvl="0"/>
-            <a:r>
-              <a:rPr/>
-              <a:t>Can install packages hosted on Github</a:t>
-            </a:r>
-          </a:p>
-          <a:p>
-            <a:pPr lvl="0"/>
-            <a:r>
-              <a:rPr/>
-              <a:t>Many vignettes to get you started! </a:t>
-            </a:r>
-            <a:r>
-              <a:rPr>
-                <a:hlinkClick r:id="rId2"/>
-              </a:rPr>
-              <a:t>See here</a:t>
-            </a:r>
-          </a:p>
-          <a:p>
-            <a:pPr lvl="0" indent="0" marL="0">
-              <a:buNone/>
-            </a:pPr>
-            <a:r>
-              <a:rPr/>
-              <a:t>. . .</a:t>
-            </a:r>
-          </a:p>
-          <a:p>
-            <a:pPr lvl="0" indent="0" marL="0">
-              <a:buNone/>
-            </a:pPr>
-            <a:r>
-              <a:rPr/>
-              <a:t>Let’s check out </a:t>
+              <a:t>renv.lock</a:t>
+            </a:r>
+            <a:r>
+              <a:rPr/>
+              <a:t> file</a:t>
+            </a:r>
+          </a:p>
+          <a:p>
+            <a:pPr lvl="0"/>
+            <a:r>
+              <a:rPr/>
+              <a:t>Always possible to rebuild a Docker image in the future (either you, or someone else!)</a:t>
+            </a:r>
+          </a:p>
+          <a:p>
+            <a:pPr lvl="0"/>
+            <a:r>
+              <a:rPr/>
+              <a:t>Consider using </a:t>
             </a:r>
             <a:r>
               <a:rPr>
                 <a:latin typeface="Courier"/>
               </a:rPr>
-              <a:t>scripts/nix_expressions/rix_intro/</a:t>
+              <a:t>{targets}</a:t>
+            </a:r>
+            <a:r>
+              <a:rPr/>
+              <a:t>: not only good for reproducibility, but also an amazing tool all around</a:t>
+            </a:r>
+          </a:p>
+          <a:p>
+            <a:pPr lvl="0"/>
+            <a:r>
+              <a:rPr/>
+              <a:t>Long-term reproducibility: must use Docker or Nix (better: both!) and maintenance effort is required as well</a:t>
             </a:r>
           </a:p>
         </p:txBody>
@@ -7087,7 +7023,7 @@
             </a:pPr>
             <a:r>
               <a:rPr/>
-              <a:t>Non-interactive use</a:t>
+              <a:t>The end</a:t>
             </a:r>
           </a:p>
         </p:txBody>
@@ -7107,73 +7043,72 @@
           <a:bodyPr/>
           <a:lstStyle/>
           <a:p>
-            <a:pPr lvl="0"/>
-            <a:r>
-              <a:rPr>
-                <a:latin typeface="Courier"/>
-              </a:rPr>
-              <a:t>{rix}</a:t>
-            </a:r>
-            <a:r>
-              <a:rPr/>
-              <a:t> makes it easy to run pipelines in the right environment</a:t>
-            </a:r>
-          </a:p>
-          <a:p>
-            <a:pPr lvl="0"/>
-            <a:r>
-              <a:rPr/>
-              <a:t>(Little side note: the best tool to build pipelines in R is </a:t>
-            </a:r>
-            <a:r>
-              <a:rPr>
-                <a:latin typeface="Courier"/>
-              </a:rPr>
-              <a:t>{targets}</a:t>
-            </a:r>
-            <a:r>
-              <a:rPr/>
-              <a:t>)</a:t>
-            </a:r>
-          </a:p>
-          <a:p>
-            <a:pPr lvl="0"/>
-            <a:r>
-              <a:rPr/>
-              <a:t>See </a:t>
-            </a:r>
-            <a:r>
-              <a:rPr>
-                <a:latin typeface="Courier"/>
-              </a:rPr>
-              <a:t>scripts/nix_expressions/nix_targets_pipeline</a:t>
-            </a:r>
-          </a:p>
-          <a:p>
-            <a:pPr lvl="0"/>
-            <a:r>
-              <a:rPr/>
-              <a:t>Can also run the pipeline like so:</a:t>
-            </a:r>
-          </a:p>
-          <a:p>
             <a:pPr lvl="0" indent="0" marL="0">
               <a:buNone/>
             </a:pPr>
             <a:r>
               <a:rPr/>
+              <a:t>Contact me if you have questions:</a:t>
+            </a:r>
+          </a:p>
+          <a:p>
+            <a:pPr lvl="0"/>
+            <a:r>
+              <a:rPr/>
+              <a:t>bruno@brodrigues.co</a:t>
+            </a:r>
+          </a:p>
+          <a:p>
+            <a:pPr lvl="0"/>
+            <a:r>
+              <a:rPr/>
+              <a:t>Twitter: @brodriguesco</a:t>
+            </a:r>
+          </a:p>
+          <a:p>
+            <a:pPr lvl="0"/>
+            <a:r>
+              <a:rPr/>
+              <a:t>Mastodon: @brodriguesco@fosstodon.org</a:t>
+            </a:r>
+          </a:p>
+          <a:p>
+            <a:pPr lvl="0"/>
+            <a:r>
+              <a:rPr/>
+              <a:t>Blog: www.brodrigues.co</a:t>
+            </a:r>
+          </a:p>
+          <a:p>
+            <a:pPr lvl="0"/>
+            <a:r>
+              <a:rPr/>
+              <a:t>Book: www.raps-with-r.dev</a:t>
+            </a:r>
+          </a:p>
+          <a:p>
+            <a:pPr lvl="0"/>
+            <a:r>
+              <a:rPr/>
+              <a:t>rix: https://docs.ropensci.org/rix</a:t>
+            </a:r>
+          </a:p>
+          <a:p>
+            <a:pPr lvl="0" indent="0" marL="0">
+              <a:buNone/>
+            </a:pPr>
+            <a:r>
+              <a:rPr/>
               <a:t>. . .</a:t>
             </a:r>
           </a:p>
           <a:p>
-            <a:pPr lvl="0" indent="0">
-              <a:buNone/>
-            </a:pPr>
-            <a:r>
-              <a:rPr>
-                <a:latin typeface="Courier"/>
-              </a:rPr>
-              <a:t>cd /absolute/path/to/pipeline/ &amp;&amp; nix-shell default.nix --run "Rscript -e 'targets::tar_make()'"</a:t>
+            <a:pPr lvl="0" indent="0" marL="0">
+              <a:buNone/>
+            </a:pPr>
+            <a:r>
+              <a:rPr/>
+              <a:t>Thank you!</a:t>
             </a:r>
           </a:p>
         </p:txBody>
@@ -7290,475 +7225,7 @@
             <a:pPr lvl="0"/>
             <a:r>
               <a:rPr/>
-              <a:t>(Work on an immutable dev environment) . . .</a:t>
-            </a:r>
-          </a:p>
-          <a:p>
-            <a:pPr lvl="0"/>
-            <a:r>
-              <a:rPr/>
-              <a:t>“But if I have the original script and data, what’s the problem?”</a:t>
-            </a:r>
-          </a:p>
-        </p:txBody>
-      </p:sp>
-    </p:spTree>
-  </p:cSld>
-</p:sld>
-</file>
-
-<file path=ppt/slides/slide40.xml><?xml version="1.0" encoding="utf-8"?>
-<p:sld xmlns:a="http://schemas.openxmlformats.org/drawingml/2006/main" xmlns:r="http://schemas.openxmlformats.org/officeDocument/2006/relationships" xmlns:p="http://schemas.openxmlformats.org/presentationml/2006/main">
-  <p:cSld>
-    <p:spTree>
-      <p:nvGrpSpPr>
-        <p:cNvPr id="1" name=""/>
-        <p:cNvGrpSpPr/>
-        <p:nvPr/>
-      </p:nvGrpSpPr>
-      <p:grpSpPr>
-        <a:xfrm>
-          <a:off x="0" y="0"/>
-          <a:ext cx="0" cy="0"/>
-          <a:chOff x="0" y="0"/>
-          <a:chExt cx="0" cy="0"/>
-        </a:xfrm>
-      </p:grpSpPr>
-      <p:sp>
-        <p:nvSpPr>
-          <p:cNvPr id="2" name="Title 1"/>
-          <p:cNvSpPr>
-            <a:spLocks noGrp="1"/>
-          </p:cNvSpPr>
-          <p:nvPr>
-            <p:ph type="title"/>
-          </p:nvPr>
-        </p:nvSpPr>
-        <p:spPr/>
-        <p:txBody>
-          <a:bodyPr/>
-          <a:lstStyle/>
-          <a:p>
-            <a:pPr lvl="0" indent="0" marL="0">
-              <a:buNone/>
-            </a:pPr>
-            <a:r>
-              <a:rPr/>
-              <a:t>Nix and Github Actions: running pipelines</a:t>
-            </a:r>
-          </a:p>
-        </p:txBody>
-      </p:sp>
-      <p:sp>
-        <p:nvSpPr>
-          <p:cNvPr id="3" name="Content Placeholder 2"/>
-          <p:cNvSpPr>
-            <a:spLocks noGrp="1"/>
-          </p:cNvSpPr>
-          <p:nvPr>
-            <p:ph idx="1"/>
-          </p:nvPr>
-        </p:nvSpPr>
-        <p:spPr/>
-        <p:txBody>
-          <a:bodyPr/>
-          <a:lstStyle/>
-          <a:p>
-            <a:pPr lvl="0"/>
-            <a:r>
-              <a:rPr/>
-              <a:t>Possible to easily run a </a:t>
-            </a:r>
-            <a:r>
-              <a:rPr>
-                <a:latin typeface="Courier"/>
-              </a:rPr>
-              <a:t>{targets}</a:t>
-            </a:r>
-            <a:r>
-              <a:rPr/>
-              <a:t> pipeline on Github actions</a:t>
-            </a:r>
-          </a:p>
-          <a:p>
-            <a:pPr lvl="0"/>
-            <a:r>
-              <a:rPr/>
-              <a:t>Simply run </a:t>
-            </a:r>
-            <a:r>
-              <a:rPr>
-                <a:latin typeface="Courier"/>
-              </a:rPr>
-              <a:t>rix::tar_nix_ga()</a:t>
-            </a:r>
-            <a:r>
-              <a:rPr/>
-              <a:t> to generate the required files</a:t>
-            </a:r>
-          </a:p>
-          <a:p>
-            <a:pPr lvl="0"/>
-            <a:r>
-              <a:rPr/>
-              <a:t>Commit and push, and watch the actions run!</a:t>
-            </a:r>
-          </a:p>
-          <a:p>
-            <a:pPr lvl="0"/>
-            <a:r>
-              <a:rPr/>
-              <a:t>See </a:t>
-            </a:r>
-            <a:r>
-              <a:rPr>
-                <a:hlinkClick r:id="rId2"/>
-              </a:rPr>
-              <a:t>here</a:t>
-            </a:r>
-            <a:r>
-              <a:rPr/>
-              <a:t>.</a:t>
-            </a:r>
-          </a:p>
-        </p:txBody>
-      </p:sp>
-    </p:spTree>
-  </p:cSld>
-</p:sld>
-</file>
-
-<file path=ppt/slides/slide41.xml><?xml version="1.0" encoding="utf-8"?>
-<p:sld xmlns:a="http://schemas.openxmlformats.org/drawingml/2006/main" xmlns:r="http://schemas.openxmlformats.org/officeDocument/2006/relationships" xmlns:p="http://schemas.openxmlformats.org/presentationml/2006/main">
-  <p:cSld>
-    <p:spTree>
-      <p:nvGrpSpPr>
-        <p:cNvPr id="1" name=""/>
-        <p:cNvGrpSpPr/>
-        <p:nvPr/>
-      </p:nvGrpSpPr>
-      <p:grpSpPr>
-        <a:xfrm>
-          <a:off x="0" y="0"/>
-          <a:ext cx="0" cy="0"/>
-          <a:chOff x="0" y="0"/>
-          <a:chExt cx="0" cy="0"/>
-        </a:xfrm>
-      </p:grpSpPr>
-      <p:sp>
-        <p:nvSpPr>
-          <p:cNvPr id="2" name="Title 1"/>
-          <p:cNvSpPr>
-            <a:spLocks noGrp="1"/>
-          </p:cNvSpPr>
-          <p:nvPr>
-            <p:ph type="title"/>
-          </p:nvPr>
-        </p:nvSpPr>
-        <p:spPr/>
-        <p:txBody>
-          <a:bodyPr/>
-          <a:lstStyle/>
-          <a:p>
-            <a:pPr lvl="0" indent="0" marL="0">
-              <a:buNone/>
-            </a:pPr>
-            <a:r>
-              <a:rPr/>
-              <a:t>Nix and Github Actions: writing papers</a:t>
-            </a:r>
-          </a:p>
-        </p:txBody>
-      </p:sp>
-      <p:sp>
-        <p:nvSpPr>
-          <p:cNvPr id="3" name="Content Placeholder 2"/>
-          <p:cNvSpPr>
-            <a:spLocks noGrp="1"/>
-          </p:cNvSpPr>
-          <p:nvPr>
-            <p:ph idx="1"/>
-          </p:nvPr>
-        </p:nvSpPr>
-        <p:spPr/>
-        <p:txBody>
-          <a:bodyPr/>
-          <a:lstStyle/>
-          <a:p>
-            <a:pPr lvl="0"/>
-            <a:r>
-              <a:rPr/>
-              <a:t>Easy collaboration on papers as well</a:t>
-            </a:r>
-          </a:p>
-          <a:p>
-            <a:pPr lvl="0"/>
-            <a:r>
-              <a:rPr/>
-              <a:t>See </a:t>
-            </a:r>
-            <a:r>
-              <a:rPr>
-                <a:hlinkClick r:id="rId2"/>
-              </a:rPr>
-              <a:t>here</a:t>
-            </a:r>
-          </a:p>
-          <a:p>
-            <a:pPr lvl="0"/>
-            <a:r>
-              <a:rPr/>
-              <a:t>Just focus on writing!</a:t>
-            </a:r>
-          </a:p>
-        </p:txBody>
-      </p:sp>
-    </p:spTree>
-  </p:cSld>
-</p:sld>
-</file>
-
-<file path=ppt/slides/slide42.xml><?xml version="1.0" encoding="utf-8"?>
-<p:sld xmlns:a="http://schemas.openxmlformats.org/drawingml/2006/main" xmlns:r="http://schemas.openxmlformats.org/officeDocument/2006/relationships" xmlns:p="http://schemas.openxmlformats.org/presentationml/2006/main">
-  <p:cSld>
-    <p:spTree>
-      <p:nvGrpSpPr>
-        <p:cNvPr id="1" name=""/>
-        <p:cNvGrpSpPr/>
-        <p:nvPr/>
-      </p:nvGrpSpPr>
-      <p:grpSpPr>
-        <a:xfrm>
-          <a:off x="0" y="0"/>
-          <a:ext cx="0" cy="0"/>
-          <a:chOff x="0" y="0"/>
-          <a:chExt cx="0" cy="0"/>
-        </a:xfrm>
-      </p:grpSpPr>
-      <p:sp>
-        <p:nvSpPr>
-          <p:cNvPr id="2" name="Title 1"/>
-          <p:cNvSpPr>
-            <a:spLocks noGrp="1"/>
-          </p:cNvSpPr>
-          <p:nvPr>
-            <p:ph type="title"/>
-          </p:nvPr>
-        </p:nvSpPr>
-        <p:spPr/>
-        <p:txBody>
-          <a:bodyPr/>
-          <a:lstStyle/>
-          <a:p>
-            <a:pPr lvl="0" indent="0" marL="0">
-              <a:buNone/>
-            </a:pPr>
-            <a:r>
-              <a:rPr/>
-              <a:t>Conclusion</a:t>
-            </a:r>
-          </a:p>
-        </p:txBody>
-      </p:sp>
-      <p:sp>
-        <p:nvSpPr>
-          <p:cNvPr id="3" name="Content Placeholder 2"/>
-          <p:cNvSpPr>
-            <a:spLocks noGrp="1"/>
-          </p:cNvSpPr>
-          <p:nvPr>
-            <p:ph idx="1"/>
-          </p:nvPr>
-        </p:nvSpPr>
-        <p:spPr/>
-        <p:txBody>
-          <a:bodyPr/>
-          <a:lstStyle/>
-          <a:p>
-            <a:pPr lvl="0"/>
-            <a:r>
-              <a:rPr/>
-              <a:t>Very vast and complex topic!</a:t>
-            </a:r>
-          </a:p>
-          <a:p>
-            <a:pPr lvl="0"/>
-            <a:r>
-              <a:rPr/>
-              <a:t>At the very least, generate an </a:t>
-            </a:r>
-            <a:r>
-              <a:rPr>
-                <a:latin typeface="Courier"/>
-              </a:rPr>
-              <a:t>renv.lock</a:t>
-            </a:r>
-            <a:r>
-              <a:rPr/>
-              <a:t> file</a:t>
-            </a:r>
-          </a:p>
-          <a:p>
-            <a:pPr lvl="0"/>
-            <a:r>
-              <a:rPr/>
-              <a:t>Always possible to rebuild a Docker image in the future (either you, or someone else!)</a:t>
-            </a:r>
-          </a:p>
-          <a:p>
-            <a:pPr lvl="0"/>
-            <a:r>
-              <a:rPr/>
-              <a:t>Consider using </a:t>
-            </a:r>
-            <a:r>
-              <a:rPr>
-                <a:latin typeface="Courier"/>
-              </a:rPr>
-              <a:t>{targets}</a:t>
-            </a:r>
-            <a:r>
-              <a:rPr/>
-              <a:t>: not only good for reproducibility, but also an amazing tool all around</a:t>
-            </a:r>
-          </a:p>
-          <a:p>
-            <a:pPr lvl="0"/>
-            <a:r>
-              <a:rPr/>
-              <a:t>Long-term reproducibility: must use Docker or Nix (better: both!) and maintenance effort is required as well</a:t>
-            </a:r>
-          </a:p>
-        </p:txBody>
-      </p:sp>
-    </p:spTree>
-  </p:cSld>
-</p:sld>
-</file>
-
-<file path=ppt/slides/slide43.xml><?xml version="1.0" encoding="utf-8"?>
-<p:sld xmlns:a="http://schemas.openxmlformats.org/drawingml/2006/main" xmlns:r="http://schemas.openxmlformats.org/officeDocument/2006/relationships" xmlns:p="http://schemas.openxmlformats.org/presentationml/2006/main">
-  <p:cSld>
-    <p:spTree>
-      <p:nvGrpSpPr>
-        <p:cNvPr id="1" name=""/>
-        <p:cNvGrpSpPr/>
-        <p:nvPr/>
-      </p:nvGrpSpPr>
-      <p:grpSpPr>
-        <a:xfrm>
-          <a:off x="0" y="0"/>
-          <a:ext cx="0" cy="0"/>
-          <a:chOff x="0" y="0"/>
-          <a:chExt cx="0" cy="0"/>
-        </a:xfrm>
-      </p:grpSpPr>
-      <p:sp>
-        <p:nvSpPr>
-          <p:cNvPr id="2" name="Title 1"/>
-          <p:cNvSpPr>
-            <a:spLocks noGrp="1"/>
-          </p:cNvSpPr>
-          <p:nvPr>
-            <p:ph type="title"/>
-          </p:nvPr>
-        </p:nvSpPr>
-        <p:spPr/>
-        <p:txBody>
-          <a:bodyPr/>
-          <a:lstStyle/>
-          <a:p>
-            <a:pPr lvl="0" indent="0" marL="0">
-              <a:buNone/>
-            </a:pPr>
-            <a:r>
-              <a:rPr/>
-              <a:t>The end</a:t>
-            </a:r>
-          </a:p>
-        </p:txBody>
-      </p:sp>
-      <p:sp>
-        <p:nvSpPr>
-          <p:cNvPr id="3" name="Content Placeholder 2"/>
-          <p:cNvSpPr>
-            <a:spLocks noGrp="1"/>
-          </p:cNvSpPr>
-          <p:nvPr>
-            <p:ph idx="1"/>
-          </p:nvPr>
-        </p:nvSpPr>
-        <p:spPr/>
-        <p:txBody>
-          <a:bodyPr/>
-          <a:lstStyle/>
-          <a:p>
-            <a:pPr lvl="0" indent="0" marL="0">
-              <a:buNone/>
-            </a:pPr>
-            <a:r>
-              <a:rPr/>
-              <a:t>Contact me if you have questions:</a:t>
-            </a:r>
-          </a:p>
-          <a:p>
-            <a:pPr lvl="0"/>
-            <a:r>
-              <a:rPr/>
-              <a:t>bruno@brodrigues.co</a:t>
-            </a:r>
-          </a:p>
-          <a:p>
-            <a:pPr lvl="0"/>
-            <a:r>
-              <a:rPr/>
-              <a:t>Twitter: @brodriguesco</a:t>
-            </a:r>
-          </a:p>
-          <a:p>
-            <a:pPr lvl="0"/>
-            <a:r>
-              <a:rPr/>
-              <a:t>Mastodon: @brodriguesco@fosstodon.org</a:t>
-            </a:r>
-          </a:p>
-          <a:p>
-            <a:pPr lvl="0"/>
-            <a:r>
-              <a:rPr/>
-              <a:t>Blog: www.brodrigues.co</a:t>
-            </a:r>
-          </a:p>
-          <a:p>
-            <a:pPr lvl="0"/>
-            <a:r>
-              <a:rPr/>
-              <a:t>Book: www.raps-with-r.dev</a:t>
-            </a:r>
-          </a:p>
-          <a:p>
-            <a:pPr lvl="0"/>
-            <a:r>
-              <a:rPr/>
-              <a:t>rix: https://docs.ropensci.org/rix</a:t>
-            </a:r>
-          </a:p>
-          <a:p>
-            <a:pPr lvl="0" indent="0" marL="0">
-              <a:buNone/>
-            </a:pPr>
-            <a:r>
-              <a:rPr/>
-              <a:t>. . .</a:t>
-            </a:r>
-          </a:p>
-          <a:p>
-            <a:pPr lvl="0" indent="0" marL="0">
-              <a:buNone/>
-            </a:pPr>
-            <a:r>
-              <a:rPr/>
-              <a:t>Thank you!</a:t>
+              <a:t>(Work on an immutable dev environment)</a:t>
             </a:r>
           </a:p>
         </p:txBody>
@@ -7805,7 +7272,7 @@
             </a:pPr>
             <a:r>
               <a:rPr/>
-              <a:t>A typical project’s setup</a:t>
+              <a:t>Turning our scripts reproducible</a:t>
             </a:r>
           </a:p>
         </p:txBody>
@@ -7825,84 +7292,57 @@
           <a:bodyPr/>
           <a:lstStyle/>
           <a:p>
-            <a:pPr lvl="0"/>
-            <a:r>
-              <a:rPr/>
-              <a:t>Our project: housing in Luxembourg</a:t>
-            </a:r>
-          </a:p>
-          <a:p>
-            <a:pPr lvl="0"/>
-            <a:r>
-              <a:rPr/>
-              <a:t>Data to analyse: </a:t>
-            </a:r>
-            <a:r>
-              <a:rPr>
-                <a:latin typeface="Courier"/>
-              </a:rPr>
-              <a:t>vente-maison-2010-2021.xlsx</a:t>
-            </a:r>
-            <a:r>
-              <a:rPr/>
-              <a:t> in the </a:t>
-            </a:r>
-            <a:r>
-              <a:rPr>
-                <a:latin typeface="Courier"/>
-              </a:rPr>
-              <a:t>data</a:t>
-            </a:r>
-            <a:r>
-              <a:rPr/>
-              <a:t> folder</a:t>
-            </a:r>
-          </a:p>
-          <a:p>
-            <a:pPr lvl="0"/>
-            <a:r>
-              <a:rPr/>
-              <a:t>2 scripts to analyse data (in the </a:t>
-            </a:r>
-            <a:r>
-              <a:rPr>
-                <a:latin typeface="Courier"/>
-              </a:rPr>
-              <a:t>scripts/project_start</a:t>
-            </a:r>
-            <a:r>
-              <a:rPr/>
-              <a:t> folder):</a:t>
-            </a:r>
-          </a:p>
-          <a:p>
-            <a:pPr lvl="1" indent="-342900" marL="685800">
+            <a:pPr lvl="0" indent="0" marL="0">
+              <a:buNone/>
+            </a:pPr>
+            <a:r>
+              <a:rPr/>
+              <a:t>We need to answer these questions</a:t>
+            </a:r>
+          </a:p>
+          <a:p>
+            <a:pPr lvl="0" indent="0" marL="0">
+              <a:buNone/>
+            </a:pPr>
+            <a:r>
+              <a:rPr/>
+              <a:t>. . .</a:t>
+            </a:r>
+          </a:p>
+          <a:p>
+            <a:pPr lvl="0" indent="-342900" marL="342900">
               <a:buAutoNum type="arabicPeriod"/>
             </a:pPr>
             <a:r>
               <a:rPr/>
-              <a:t>One to scrape the Excel file </a:t>
-            </a:r>
-            <a:r>
-              <a:rPr>
-                <a:hlinkClick r:id="rId2"/>
-              </a:rPr>
-              <a:t>save_data.R</a:t>
-            </a:r>
-          </a:p>
-          <a:p>
-            <a:pPr lvl="1" indent="-342900" marL="685800">
+              <a:t>How easy would it be for someone else to rerun the analysis?</a:t>
+            </a:r>
+          </a:p>
+          <a:p>
+            <a:pPr lvl="0" indent="-342900" marL="342900">
               <a:buAutoNum type="arabicPeriod"/>
             </a:pPr>
             <a:r>
               <a:rPr/>
-              <a:t>One to analyse the data </a:t>
-            </a:r>
-            <a:r>
-              <a:rPr>
-                <a:hlinkClick r:id="rId3"/>
-              </a:rPr>
-              <a:t>analysis.R</a:t>
+              <a:t>How easy would it be to update the project?</a:t>
+            </a:r>
+          </a:p>
+          <a:p>
+            <a:pPr lvl="0" indent="-342900" marL="342900">
+              <a:buAutoNum type="arabicPeriod"/>
+            </a:pPr>
+            <a:r>
+              <a:rPr/>
+              <a:t>How easy would it be to reuse this code for another project?</a:t>
+            </a:r>
+          </a:p>
+          <a:p>
+            <a:pPr lvl="0" indent="-342900" marL="342900">
+              <a:buAutoNum type="arabicPeriod"/>
+            </a:pPr>
+            <a:r>
+              <a:rPr/>
+              <a:t>What guarantee do we have that the output is stable through time?</a:t>
             </a:r>
           </a:p>
         </p:txBody>
@@ -7949,7 +7389,7 @@
             </a:pPr>
             <a:r>
               <a:rPr/>
-              <a:t>Project start - What’s wrong with these scripts?</a:t>
+              <a:t>Reproducibility is on a continuum (1/2)</a:t>
             </a:r>
           </a:p>
         </p:txBody>
@@ -7969,66 +7409,40 @@
           <a:bodyPr/>
           <a:lstStyle/>
           <a:p>
-            <a:pPr lvl="0"/>
-            <a:r>
-              <a:rPr/>
-              <a:t>The first two scripts -&gt; script-based workflow</a:t>
-            </a:r>
-          </a:p>
-          <a:p>
-            <a:pPr lvl="0"/>
-            <a:r>
-              <a:rPr/>
-              <a:t>Just a long series of calls</a:t>
-            </a:r>
-          </a:p>
-          <a:p>
-            <a:pPr lvl="0"/>
-            <a:r>
-              <a:rPr/>
-              <a:t>No functions</a:t>
-            </a:r>
-          </a:p>
-          <a:p>
-            <a:pPr lvl="1"/>
-            <a:r>
-              <a:rPr/>
-              <a:t>difficult to re-use!</a:t>
-            </a:r>
-          </a:p>
-          <a:p>
-            <a:pPr lvl="1"/>
-            <a:r>
-              <a:rPr/>
-              <a:t>difficult to test!</a:t>
-            </a:r>
-          </a:p>
-          <a:p>
-            <a:pPr lvl="1"/>
-            <a:r>
-              <a:rPr/>
-              <a:t>difficult to parallelise!</a:t>
-            </a:r>
-          </a:p>
-          <a:p>
-            <a:pPr lvl="1"/>
-            <a:r>
-              <a:rPr/>
-              <a:t>lots of repetition!</a:t>
-            </a:r>
-          </a:p>
-          <a:p>
-            <a:pPr lvl="0"/>
-            <a:r>
-              <a:rPr/>
-              <a:t>Also: usually we want a report not just a script</a:t>
-            </a:r>
-          </a:p>
-          <a:p>
-            <a:pPr lvl="0"/>
-            <a:r>
-              <a:rPr/>
-              <a:t>No record of package, nor R, versions used</a:t>
+            <a:pPr lvl="0" indent="0" marL="0">
+              <a:buNone/>
+            </a:pPr>
+            <a:r>
+              <a:rPr/>
+              <a:t>Here are the 4 main things influencing an analysis’ reproducibility:</a:t>
+            </a:r>
+          </a:p>
+          <a:p>
+            <a:pPr lvl="0"/>
+            <a:r>
+              <a:rPr/>
+              <a:t>Version of R used</a:t>
+            </a:r>
+          </a:p>
+          <a:p>
+            <a:pPr lvl="0"/>
+            <a:r>
+              <a:rPr/>
+              <a:t>Versions of packages used</a:t>
+            </a:r>
+          </a:p>
+          <a:p>
+            <a:pPr lvl="0"/>
+            <a:r>
+              <a:rPr/>
+              <a:t>Operating system</a:t>
+            </a:r>
+          </a:p>
+          <a:p>
+            <a:pPr lvl="0"/>
+            <a:r>
+              <a:rPr/>
+              <a:t>Hardware</a:t>
             </a:r>
           </a:p>
         </p:txBody>
@@ -8039,223 +7453,6 @@
 </file>
 
 <file path=ppt/slides/slide7.xml><?xml version="1.0" encoding="utf-8"?>
-<p:sld xmlns:a="http://schemas.openxmlformats.org/drawingml/2006/main" xmlns:r="http://schemas.openxmlformats.org/officeDocument/2006/relationships" xmlns:p="http://schemas.openxmlformats.org/presentationml/2006/main">
-  <p:cSld>
-    <p:spTree>
-      <p:nvGrpSpPr>
-        <p:cNvPr id="1" name=""/>
-        <p:cNvGrpSpPr/>
-        <p:nvPr/>
-      </p:nvGrpSpPr>
-      <p:grpSpPr>
-        <a:xfrm>
-          <a:off x="0" y="0"/>
-          <a:ext cx="0" cy="0"/>
-          <a:chOff x="0" y="0"/>
-          <a:chExt cx="0" cy="0"/>
-        </a:xfrm>
-      </p:grpSpPr>
-      <p:sp>
-        <p:nvSpPr>
-          <p:cNvPr id="2" name="Title 1"/>
-          <p:cNvSpPr>
-            <a:spLocks noGrp="1"/>
-          </p:cNvSpPr>
-          <p:nvPr>
-            <p:ph type="title"/>
-          </p:nvPr>
-        </p:nvSpPr>
-        <p:spPr/>
-        <p:txBody>
-          <a:bodyPr/>
-          <a:lstStyle/>
-          <a:p>
-            <a:pPr lvl="0" indent="0" marL="0">
-              <a:buNone/>
-            </a:pPr>
-            <a:r>
-              <a:rPr/>
-              <a:t>Turning our scripts reproducible</a:t>
-            </a:r>
-          </a:p>
-        </p:txBody>
-      </p:sp>
-      <p:sp>
-        <p:nvSpPr>
-          <p:cNvPr id="3" name="Content Placeholder 2"/>
-          <p:cNvSpPr>
-            <a:spLocks noGrp="1"/>
-          </p:cNvSpPr>
-          <p:nvPr>
-            <p:ph idx="1"/>
-          </p:nvPr>
-        </p:nvSpPr>
-        <p:spPr/>
-        <p:txBody>
-          <a:bodyPr/>
-          <a:lstStyle/>
-          <a:p>
-            <a:pPr lvl="0" indent="0" marL="0">
-              <a:buNone/>
-            </a:pPr>
-            <a:r>
-              <a:rPr/>
-              <a:t>We need to answer these questions</a:t>
-            </a:r>
-          </a:p>
-          <a:p>
-            <a:pPr lvl="0" indent="0" marL="0">
-              <a:buNone/>
-            </a:pPr>
-            <a:r>
-              <a:rPr/>
-              <a:t>. . .</a:t>
-            </a:r>
-          </a:p>
-          <a:p>
-            <a:pPr lvl="0" indent="-342900" marL="342900">
-              <a:buAutoNum type="arabicPeriod"/>
-            </a:pPr>
-            <a:r>
-              <a:rPr/>
-              <a:t>How easy would it be for someone else to rerun the analysis?</a:t>
-            </a:r>
-          </a:p>
-          <a:p>
-            <a:pPr lvl="0" indent="-342900" marL="342900">
-              <a:buAutoNum type="arabicPeriod"/>
-            </a:pPr>
-            <a:r>
-              <a:rPr/>
-              <a:t>How easy would it be to update the project?</a:t>
-            </a:r>
-          </a:p>
-          <a:p>
-            <a:pPr lvl="0" indent="-342900" marL="342900">
-              <a:buAutoNum type="arabicPeriod"/>
-            </a:pPr>
-            <a:r>
-              <a:rPr/>
-              <a:t>How easy would it be to reuse this code for another project?</a:t>
-            </a:r>
-          </a:p>
-          <a:p>
-            <a:pPr lvl="0" indent="-342900" marL="342900">
-              <a:buAutoNum type="arabicPeriod"/>
-            </a:pPr>
-            <a:r>
-              <a:rPr/>
-              <a:t>What guarantee do we have that the output is stable through time?</a:t>
-            </a:r>
-          </a:p>
-        </p:txBody>
-      </p:sp>
-    </p:spTree>
-  </p:cSld>
-</p:sld>
-</file>
-
-<file path=ppt/slides/slide8.xml><?xml version="1.0" encoding="utf-8"?>
-<p:sld xmlns:a="http://schemas.openxmlformats.org/drawingml/2006/main" xmlns:r="http://schemas.openxmlformats.org/officeDocument/2006/relationships" xmlns:p="http://schemas.openxmlformats.org/presentationml/2006/main">
-  <p:cSld>
-    <p:spTree>
-      <p:nvGrpSpPr>
-        <p:cNvPr id="1" name=""/>
-        <p:cNvGrpSpPr/>
-        <p:nvPr/>
-      </p:nvGrpSpPr>
-      <p:grpSpPr>
-        <a:xfrm>
-          <a:off x="0" y="0"/>
-          <a:ext cx="0" cy="0"/>
-          <a:chOff x="0" y="0"/>
-          <a:chExt cx="0" cy="0"/>
-        </a:xfrm>
-      </p:grpSpPr>
-      <p:sp>
-        <p:nvSpPr>
-          <p:cNvPr id="2" name="Title 1"/>
-          <p:cNvSpPr>
-            <a:spLocks noGrp="1"/>
-          </p:cNvSpPr>
-          <p:nvPr>
-            <p:ph type="title"/>
-          </p:nvPr>
-        </p:nvSpPr>
-        <p:spPr/>
-        <p:txBody>
-          <a:bodyPr/>
-          <a:lstStyle/>
-          <a:p>
-            <a:pPr lvl="0" indent="0" marL="0">
-              <a:buNone/>
-            </a:pPr>
-            <a:r>
-              <a:rPr/>
-              <a:t>Reproducibility is on a continuum (1/2)</a:t>
-            </a:r>
-          </a:p>
-        </p:txBody>
-      </p:sp>
-      <p:sp>
-        <p:nvSpPr>
-          <p:cNvPr id="3" name="Content Placeholder 2"/>
-          <p:cNvSpPr>
-            <a:spLocks noGrp="1"/>
-          </p:cNvSpPr>
-          <p:nvPr>
-            <p:ph idx="1"/>
-          </p:nvPr>
-        </p:nvSpPr>
-        <p:spPr/>
-        <p:txBody>
-          <a:bodyPr/>
-          <a:lstStyle/>
-          <a:p>
-            <a:pPr lvl="0" indent="0" marL="0">
-              <a:buNone/>
-            </a:pPr>
-            <a:r>
-              <a:rPr/>
-              <a:t>Here are the 4 main things influencing an analysis’ reproducibility:</a:t>
-            </a:r>
-          </a:p>
-          <a:p>
-            <a:pPr lvl="0"/>
-            <a:r>
-              <a:rPr/>
-              <a:t>Version of R used</a:t>
-            </a:r>
-          </a:p>
-          <a:p>
-            <a:pPr lvl="0"/>
-            <a:r>
-              <a:rPr/>
-              <a:t>Versions of packages used</a:t>
-            </a:r>
-          </a:p>
-          <a:p>
-            <a:pPr lvl="0"/>
-            <a:r>
-              <a:rPr/>
-              <a:t>Operating system</a:t>
-            </a:r>
-          </a:p>
-          <a:p>
-            <a:pPr lvl="0"/>
-            <a:r>
-              <a:rPr/>
-              <a:t>Hardware</a:t>
-            </a:r>
-          </a:p>
-        </p:txBody>
-      </p:sp>
-    </p:spTree>
-  </p:cSld>
-</p:sld>
-</file>
-
-<file path=ppt/slides/slide9.xml><?xml version="1.0" encoding="utf-8"?>
 <p:sld xmlns:a="http://schemas.openxmlformats.org/drawingml/2006/main" xmlns:r="http://schemas.openxmlformats.org/officeDocument/2006/relationships" xmlns:p="http://schemas.openxmlformats.org/presentationml/2006/main">
   <p:cSld>
     <p:spTree>
@@ -8327,6 +7524,162 @@
           </a:ln>
         </p:spPr>
       </p:pic>
+    </p:spTree>
+  </p:cSld>
+</p:sld>
+</file>
+
+<file path=ppt/slides/slide8.xml><?xml version="1.0" encoding="utf-8"?>
+<p:sld xmlns:a="http://schemas.openxmlformats.org/drawingml/2006/main" xmlns:r="http://schemas.openxmlformats.org/officeDocument/2006/relationships" xmlns:p="http://schemas.openxmlformats.org/presentationml/2006/main">
+  <p:cSld>
+    <p:spTree>
+      <p:nvGrpSpPr>
+        <p:cNvPr id="1" name=""/>
+        <p:cNvGrpSpPr/>
+        <p:nvPr/>
+      </p:nvGrpSpPr>
+      <p:grpSpPr>
+        <a:xfrm>
+          <a:off x="0" y="0"/>
+          <a:ext cx="0" cy="0"/>
+          <a:chOff x="0" y="0"/>
+          <a:chExt cx="0" cy="0"/>
+        </a:xfrm>
+      </p:grpSpPr>
+      <p:sp>
+        <p:nvSpPr>
+          <p:cNvPr id="3" name="Content Placeholder 2"/>
+          <p:cNvSpPr>
+            <a:spLocks noGrp="1"/>
+          </p:cNvSpPr>
+          <p:nvPr>
+            <p:ph idx="1"/>
+          </p:nvPr>
+        </p:nvSpPr>
+        <p:spPr/>
+        <p:txBody>
+          <a:bodyPr/>
+          <a:lstStyle/>
+          <a:p>
+            <a:pPr lvl="0" indent="0" marL="0">
+              <a:buNone/>
+            </a:pPr>
+            <a:r>
+              <a:rPr/>
+              <a:t>Source: Peng, Roger D. 2011. “Reproducible Research in Computational Science.” Science 334 (6060): 1226–27</a:t>
+            </a:r>
+          </a:p>
+        </p:txBody>
+      </p:sp>
+    </p:spTree>
+  </p:cSld>
+</p:sld>
+</file>
+
+<file path=ppt/slides/slide9.xml><?xml version="1.0" encoding="utf-8"?>
+<p:sld xmlns:a="http://schemas.openxmlformats.org/drawingml/2006/main" xmlns:r="http://schemas.openxmlformats.org/officeDocument/2006/relationships" xmlns:p="http://schemas.openxmlformats.org/presentationml/2006/main">
+  <p:cSld>
+    <p:spTree>
+      <p:nvGrpSpPr>
+        <p:cNvPr id="1" name=""/>
+        <p:cNvGrpSpPr/>
+        <p:nvPr/>
+      </p:nvGrpSpPr>
+      <p:grpSpPr>
+        <a:xfrm>
+          <a:off x="0" y="0"/>
+          <a:ext cx="0" cy="0"/>
+          <a:chOff x="0" y="0"/>
+          <a:chExt cx="0" cy="0"/>
+        </a:xfrm>
+      </p:grpSpPr>
+      <p:sp>
+        <p:nvSpPr>
+          <p:cNvPr id="2" name="Title 1"/>
+          <p:cNvSpPr>
+            <a:spLocks noGrp="1"/>
+          </p:cNvSpPr>
+          <p:nvPr>
+            <p:ph type="title"/>
+          </p:nvPr>
+        </p:nvSpPr>
+        <p:spPr/>
+        <p:txBody>
+          <a:bodyPr/>
+          <a:lstStyle/>
+          <a:p>
+            <a:pPr lvl="0" indent="0" marL="0">
+              <a:buNone/>
+            </a:pPr>
+            <a:r>
+              <a:rPr/>
+              <a:t>Package versioning with </a:t>
+            </a:r>
+            <a:r>
+              <a:rPr>
+                <a:latin typeface="Courier"/>
+              </a:rPr>
+              <a:t>renv</a:t>
+            </a:r>
+          </a:p>
+        </p:txBody>
+      </p:sp>
+      <p:sp>
+        <p:nvSpPr>
+          <p:cNvPr id="3" name="Content Placeholder 2"/>
+          <p:cNvSpPr>
+            <a:spLocks noGrp="1"/>
+          </p:cNvSpPr>
+          <p:nvPr>
+            <p:ph idx="1"/>
+          </p:nvPr>
+        </p:nvSpPr>
+        <p:spPr/>
+        <p:txBody>
+          <a:bodyPr/>
+          <a:lstStyle/>
+          <a:p>
+            <a:pPr lvl="0"/>
+            <a:r>
+              <a:rPr>
+                <a:latin typeface="Courier"/>
+              </a:rPr>
+              <a:t>renv</a:t>
+            </a:r>
+            <a:r>
+              <a:rPr/>
+              <a:t> is commonly used</a:t>
+            </a:r>
+          </a:p>
+          <a:p>
+            <a:pPr lvl="0"/>
+            <a:r>
+              <a:rPr/>
+              <a:t>Run </a:t>
+            </a:r>
+            <a:r>
+              <a:rPr>
+                <a:latin typeface="Courier"/>
+              </a:rPr>
+              <a:t>renv::init()</a:t>
+            </a:r>
+            <a:r>
+              <a:rPr/>
+              <a:t> to generate library snapshot as a </a:t>
+            </a:r>
+            <a:r>
+              <a:rPr>
+                <a:latin typeface="Courier"/>
+              </a:rPr>
+              <a:t>renv.lock</a:t>
+            </a:r>
+            <a:r>
+              <a:rPr/>
+              <a:t> file</a:t>
+            </a:r>
+          </a:p>
+        </p:txBody>
+      </p:sp>
     </p:spTree>
   </p:cSld>
 </p:sld>

--- a/docs/index.pptx
+++ b/docs/index.pptx
@@ -3987,13 +3987,7 @@
             </a:pPr>
             <a:r>
               <a:rPr/>
-              <a:t>run the analysis using </a:t>
-            </a:r>
-            <a:r>
-              <a:rPr>
-                <a:latin typeface="Courier"/>
-              </a:rPr>
-              <a:t>targets::tar_make()</a:t>
+              <a:t>run the analysis (non-interactively)</a:t>
             </a:r>
           </a:p>
           <a:p>
@@ -4102,6 +4096,15 @@
             </a:r>
           </a:p>
           <a:p>
+            <a:pPr lvl="0" indent="0" marL="0">
+              <a:buNone/>
+            </a:pPr>
+            <a:r>
+              <a:rPr/>
+              <a:t>. . .</a:t>
+            </a:r>
+          </a:p>
+          <a:p>
             <a:pPr lvl="0" indent="0">
               <a:buNone/>
             </a:pPr>
@@ -4602,7 +4605,7 @@
             </a:pPr>
             <a:r>
               <a:rPr/>
-              <a:t>A popular package manager:</a:t>
+              <a:t>Example of popular package manager:</a:t>
             </a:r>
           </a:p>
           <a:p>
@@ -5623,13 +5626,7 @@
             <a:pPr lvl="1"/>
             <a:r>
               <a:rPr/>
-              <a:t>FP, Git, Documenting, testing and packaging code, build automation with </a:t>
-            </a:r>
-            <a:r>
-              <a:rPr>
-                <a:latin typeface="Courier"/>
-              </a:rPr>
-              <a:t>{targets}</a:t>
+              <a:t>FP, Git, Documenting, testing and packaging code, build automation</a:t>
             </a:r>
           </a:p>
         </p:txBody>
@@ -6393,6 +6390,24 @@
               <a:t>Then we dockerize</a:t>
             </a:r>
           </a:p>
+          <a:p>
+            <a:pPr lvl="0" indent="0" marL="0">
+              <a:buNone/>
+            </a:pPr>
+            <a:r>
+              <a:rPr/>
+              <a:t>. . .</a:t>
+            </a:r>
+          </a:p>
+          <a:p>
+            <a:pPr lvl="0" indent="0" marL="0">
+              <a:buNone/>
+            </a:pPr>
+            <a:r>
+              <a:rPr/>
+              <a:t>(you’ll find many other examples in the repository)</a:t>
+            </a:r>
+          </a:p>
         </p:txBody>
       </p:sp>
     </p:spTree>
@@ -6493,30 +6508,6 @@
               <a:t>See here</a:t>
             </a:r>
           </a:p>
-          <a:p>
-            <a:pPr lvl="0" indent="0" marL="0">
-              <a:buNone/>
-            </a:pPr>
-            <a:r>
-              <a:rPr/>
-              <a:t>. . .</a:t>
-            </a:r>
-          </a:p>
-          <a:p>
-            <a:pPr lvl="0" indent="0" marL="0">
-              <a:buNone/>
-            </a:pPr>
-            <a:r>
-              <a:rPr/>
-              <a:t>Let’s check out </a:t>
-            </a:r>
-            <a:r>
-              <a:rPr>
-                <a:latin typeface="Courier"/>
-              </a:rPr>
-              <a:t>scripts/nix_expressions/rix_intro/</a:t>
-            </a:r>
-          </a:p>
         </p:txBody>
       </p:sp>
     </p:spTree>
@@ -6976,7 +6967,21 @@
             <a:pPr lvl="0"/>
             <a:r>
               <a:rPr/>
-              <a:t>Long-term reproducibility: must use Docker or Nix (better: both!) and maintenance effort is required as well</a:t>
+              <a:t>Long-term reproducibility: must use Nix (with or without Docker) or store Docker images</a:t>
+            </a:r>
+          </a:p>
+          <a:p>
+            <a:pPr lvl="0"/>
+            <a:r>
+              <a:rPr/>
+              <a:t>Maybe check out my other packages (in early dev): </a:t>
+            </a:r>
+            <a:r>
+              <a:rPr>
+                <a:hlinkClick r:id="rId2"/>
+                <a:latin typeface="Courier"/>
+              </a:rPr>
+              <a:t>{rixpress}</a:t>
             </a:r>
           </a:p>
         </p:txBody>

--- a/docs/index.pptx
+++ b/docs/index.pptx
@@ -3153,7 +3153,7 @@
             </a:pPr>
             <a:r>
               <a:rPr/>
-              <a:t>Building fully reproducible data science environments for R and python with ease using nix, rix, and Docker</a:t>
+              <a:t>Building fully reproducible data science environments for R and Python with ease using nix, rix, and Docker</a:t>
             </a:r>
           </a:p>
         </p:txBody>
@@ -3465,7 +3465,7 @@
             </a:r>
             <a:r>
               <a:rPr/>
-              <a:t> alone by itself is not enough</a:t>
+              <a:t> alone is not enough</a:t>
             </a:r>
           </a:p>
         </p:txBody>
@@ -4012,7 +4012,7 @@
             </a:pPr>
             <a:r>
               <a:rPr/>
-              <a:t>possible to “log-in” into a running container to inspect code and outputs</a:t>
+              <a:t>possible to “log in” into a running container to inspect code and outputs</a:t>
             </a:r>
           </a:p>
         </p:txBody>
@@ -4082,7 +4082,7 @@
             <a:pPr lvl="0"/>
             <a:r>
               <a:rPr/>
-              <a:t>Restoring package with </a:t>
+              <a:t>Restoring packages with </a:t>
             </a:r>
             <a:r>
               <a:rPr>
@@ -4377,7 +4377,7 @@
             </a:pPr>
             <a:r>
               <a:rPr/>
-              <a:t>Bruno Rodrigues, head of the statistics and data strategy departments at the Ministry of Research and Higher education in Luxembourg</a:t>
+              <a:t>Bruno Rodrigues, head of the statistics at the Ministry of Research and Higher education in Luxembourg</a:t>
             </a:r>
           </a:p>
           <a:p>
@@ -5026,14 +5026,14 @@
             <a:pPr lvl="0"/>
             <a:r>
               <a:rPr/>
-              <a:t>Software for Nix is defined as a mono-repository of tens of thousands of expressions on Github</a:t>
-            </a:r>
-          </a:p>
-          <a:p>
-            <a:pPr lvl="0"/>
-            <a:r>
-              <a:rPr/>
-              <a:t>Github: we can use any commit to pin package versions for reproducibility!</a:t>
+              <a:t>Software for Nix is defined as a mono-repository of tens of thousands of expressions on GitHub</a:t>
+            </a:r>
+          </a:p>
+          <a:p>
+            <a:pPr lvl="0"/>
+            <a:r>
+              <a:rPr/>
+              <a:t>GitHub: we can use any commit to pin package versions for reproducibility!</a:t>
             </a:r>
           </a:p>
           <a:p>
@@ -5570,7 +5570,7 @@
             </a:pPr>
             <a:r>
               <a:rPr/>
-              <a:t>Thing I want to talk about</a:t>
+              <a:t>Topics I want to talk about</a:t>
             </a:r>
           </a:p>
         </p:txBody>
@@ -5712,7 +5712,7 @@
             </a:r>
             <a:r>
               <a:rPr/>
-              <a:t>) makes writing Nix expression easy!</a:t>
+              <a:t>) makes writing Nix expressions easy!</a:t>
             </a:r>
           </a:p>
           <a:p>
@@ -6283,14 +6283,14 @@
             <a:pPr lvl="0"/>
             <a:r>
               <a:rPr/>
-              <a:t>Optionally: more system packages, packages hosted on Github, or LaTeX packages</a:t>
-            </a:r>
-          </a:p>
-          <a:p>
-            <a:pPr lvl="0"/>
-            <a:r>
-              <a:rPr/>
-              <a:t>Optionally: an IDE (Rstudio, Radian, VS Code or “other”)</a:t>
+              <a:t>Optionally: more system packages, packages hosted on GitHub, or LaTeX packages</a:t>
+            </a:r>
+          </a:p>
+          <a:p>
+            <a:pPr lvl="0"/>
+            <a:r>
+              <a:rPr/>
+              <a:t>Optionally: an IDE (RStudio, Radian, VS Code or “other”)</a:t>
             </a:r>
           </a:p>
           <a:p>
@@ -6492,7 +6492,7 @@
             <a:pPr lvl="0"/>
             <a:r>
               <a:rPr/>
-              <a:t>Can install packages hosted on Github</a:t>
+              <a:t>Can install packages hosted on GitHub</a:t>
             </a:r>
           </a:p>
           <a:p>
@@ -6685,7 +6685,7 @@
             </a:pPr>
             <a:r>
               <a:rPr/>
-              <a:t>Nix and Github Actions: running pipelines</a:t>
+              <a:t>Nix and GitHub Actions: running pipelines</a:t>
             </a:r>
           </a:p>
         </p:txBody>
@@ -6718,7 +6718,7 @@
             </a:r>
             <a:r>
               <a:rPr/>
-              <a:t> pipeline on Github actions</a:t>
+              <a:t> pipeline on GitHub actions</a:t>
             </a:r>
           </a:p>
           <a:p>
@@ -6806,7 +6806,7 @@
             </a:pPr>
             <a:r>
               <a:rPr/>
-              <a:t>Nix and Github Actions: writing papers</a:t>
+              <a:t>Nix and GitHub Actions: writing papers</a:t>
             </a:r>
           </a:p>
         </p:txBody>
@@ -7216,7 +7216,7 @@
             <a:pPr lvl="0"/>
             <a:r>
               <a:rPr/>
-              <a:t>Update of data (only impact must be from data update)</a:t>
+              <a:t>Updating data (impact should only come from data changes)</a:t>
             </a:r>
           </a:p>
           <a:p>
@@ -7277,7 +7277,7 @@
             </a:pPr>
             <a:r>
               <a:rPr/>
-              <a:t>Turning our scripts reproducible</a:t>
+              <a:t>Making our scripts reproducible</a:t>
             </a:r>
           </a:p>
         </p:txBody>
@@ -7347,7 +7347,7 @@
             </a:pPr>
             <a:r>
               <a:rPr/>
-              <a:t>What guarantee do we have that the output is stable through time?</a:t>
+              <a:t>What guarantee do we have that the output is stable over time?</a:t>
             </a:r>
           </a:p>
         </p:txBody>

--- a/docs/index.pptx
+++ b/docs/index.pptx
@@ -3950,16 +3950,7 @@
             </a:pPr>
             <a:r>
               <a:rPr/>
-              <a:t>install R (or use an image that ships R)</a:t>
-            </a:r>
-          </a:p>
-          <a:p>
-            <a:pPr lvl="1" indent="-342900" marL="685800">
-              <a:buAutoNum type="arabicPeriod"/>
-            </a:pPr>
-            <a:r>
-              <a:rPr/>
-              <a:t>install packages (using our </a:t>
+              <a:t>install R and R packages (or use an image that ships R and </a:t>
             </a:r>
             <a:r>
               <a:rPr>
@@ -3969,7 +3960,7 @@
             </a:r>
             <a:r>
               <a:rPr/>
-              <a:t> file)</a:t>
+              <a:t>)</a:t>
             </a:r>
           </a:p>
           <a:p>
@@ -4578,9 +4569,7 @@
           <a:bodyPr/>
           <a:lstStyle/>
           <a:p>
-            <a:pPr lvl="0" indent="0" marL="0">
-              <a:buNone/>
-            </a:pPr>
+            <a:pPr lvl="0"/>
             <a:r>
               <a:rPr/>
               <a:t>Package manager: tool to install and manage </a:t>
@@ -4591,18 +4580,14 @@
             </a:r>
           </a:p>
           <a:p>
-            <a:pPr lvl="0" indent="0" marL="0">
-              <a:buNone/>
-            </a:pPr>
+            <a:pPr lvl="0"/>
             <a:r>
               <a:rPr/>
               <a:t>Package: any piece of software (not just R packages)</a:t>
             </a:r>
           </a:p>
           <a:p>
-            <a:pPr lvl="0" indent="0" marL="0">
-              <a:buNone/>
-            </a:pPr>
+            <a:pPr lvl="0"/>
             <a:r>
               <a:rPr/>
               <a:t>Example of popular package manager:</a:t>
@@ -4744,7 +4729,7 @@
             <a:pPr lvl="0"/>
             <a:r>
               <a:rPr/>
-              <a:t>Reproducibility: R, R packages and other dependencies must be managed</a:t>
+              <a:t>For total reproducibility: R, R packages and other dependencies must be managed</a:t>
             </a:r>
           </a:p>
           <a:p>
